--- a/záróprojekt_11ESZ.pptx
+++ b/záróprojekt_11ESZ.pptx
@@ -6,7 +6,24 @@
   </p:sldMasterIdLst>
   <p:sldIdLst>
     <p:sldId id="256" r:id="rId2"/>
-    <p:sldId id="257" r:id="rId3"/>
+    <p:sldId id="268" r:id="rId3"/>
+    <p:sldId id="257" r:id="rId4"/>
+    <p:sldId id="259" r:id="rId5"/>
+    <p:sldId id="258" r:id="rId6"/>
+    <p:sldId id="260" r:id="rId7"/>
+    <p:sldId id="261" r:id="rId8"/>
+    <p:sldId id="262" r:id="rId9"/>
+    <p:sldId id="263" r:id="rId10"/>
+    <p:sldId id="264" r:id="rId11"/>
+    <p:sldId id="265" r:id="rId12"/>
+    <p:sldId id="266" r:id="rId13"/>
+    <p:sldId id="267" r:id="rId14"/>
+    <p:sldId id="269" r:id="rId15"/>
+    <p:sldId id="270" r:id="rId16"/>
+    <p:sldId id="271" r:id="rId17"/>
+    <p:sldId id="272" r:id="rId18"/>
+    <p:sldId id="273" r:id="rId19"/>
+    <p:sldId id="274" r:id="rId20"/>
   </p:sldIdLst>
   <p:sldSz cx="12192000" cy="6858000"/>
   <p:notesSz cx="6858000" cy="9144000"/>
@@ -105,20 +122,33 @@
       </a:defRPr>
     </a:lvl9pPr>
   </p:defaultTextStyle>
+  <p:extLst>
+    <p:ext uri="{EFAFB233-063F-42B5-8137-9DF3F51BA10A}">
+      <p15:sldGuideLst xmlns:p15="http://schemas.microsoft.com/office/powerpoint/2012/main"/>
+    </p:ext>
+  </p:extLst>
 </p:presentation>
+</file>
+
+<file path=ppt/revisionInfo.xml><?xml version="1.0" encoding="utf-8"?>
+<p1510:revInfo xmlns:a="http://schemas.openxmlformats.org/drawingml/2006/main" xmlns:r="http://schemas.openxmlformats.org/officeDocument/2006/relationships" xmlns:p1510="http://schemas.microsoft.com/office/powerpoint/2015/10/main">
+  <p1510:revLst>
+    <p1510:client id="{BD3D67E3-0DD8-4642-B879-5A5326420380}" v="203" dt="2024-06-05T10:21:55.518"/>
+  </p1510:revLst>
+</p1510:revInfo>
 </file>
 
 <file path=ppt/changesInfos/changesInfo1.xml><?xml version="1.0" encoding="utf-8"?>
 <pc:chgInfo xmlns:a="http://schemas.openxmlformats.org/drawingml/2006/main" xmlns:r="http://schemas.openxmlformats.org/officeDocument/2006/relationships" xmlns:ac="http://schemas.microsoft.com/office/drawing/2013/main/command" xmlns:pc="http://schemas.microsoft.com/office/powerpoint/2013/main/command">
   <pc:docChgLst>
     <pc:chgData name="Ádám Győri" userId="4d9fed6201f4995a" providerId="LiveId" clId="{BD3D67E3-0DD8-4642-B879-5A5326420380}"/>
-    <pc:docChg chg="undo custSel addSld delSld modSld addMainMaster delMainMaster">
-      <pc:chgData name="Ádám Győri" userId="4d9fed6201f4995a" providerId="LiveId" clId="{BD3D67E3-0DD8-4642-B879-5A5326420380}" dt="2024-05-29T19:21:56.118" v="81" actId="20577"/>
+    <pc:docChg chg="undo custSel addSld delSld modSld sldOrd addMainMaster delMainMaster modMainMaster">
+      <pc:chgData name="Ádám Győri" userId="4d9fed6201f4995a" providerId="LiveId" clId="{BD3D67E3-0DD8-4642-B879-5A5326420380}" dt="2024-06-05T10:33:32.194" v="499"/>
       <pc:docMkLst>
         <pc:docMk/>
       </pc:docMkLst>
-      <pc:sldChg chg="addSp delSp modSp mod setBg modClrScheme setClrOvrMap chgLayout">
-        <pc:chgData name="Ádám Győri" userId="4d9fed6201f4995a" providerId="LiveId" clId="{BD3D67E3-0DD8-4642-B879-5A5326420380}" dt="2024-05-29T19:21:56.118" v="81" actId="20577"/>
+      <pc:sldChg chg="addSp delSp modSp mod modTransition setBg modClrScheme setClrOvrMap delDesignElem chgLayout">
+        <pc:chgData name="Ádám Győri" userId="4d9fed6201f4995a" providerId="LiveId" clId="{BD3D67E3-0DD8-4642-B879-5A5326420380}" dt="2024-06-05T08:14:45.749" v="293"/>
         <pc:sldMkLst>
           <pc:docMk/>
           <pc:sldMk cId="3319743928" sldId="256"/>
@@ -132,7 +162,7 @@
           </ac:spMkLst>
         </pc:spChg>
         <pc:spChg chg="mod">
-          <ac:chgData name="Ádám Győri" userId="4d9fed6201f4995a" providerId="LiveId" clId="{BD3D67E3-0DD8-4642-B879-5A5326420380}" dt="2024-05-29T19:20:28.463" v="68" actId="20577"/>
+          <ac:chgData name="Ádám Győri" userId="4d9fed6201f4995a" providerId="LiveId" clId="{BD3D67E3-0DD8-4642-B879-5A5326420380}" dt="2024-06-05T07:15:33.406" v="88" actId="14100"/>
           <ac:spMkLst>
             <pc:docMk/>
             <pc:sldMk cId="3319743928" sldId="256"/>
@@ -195,16 +225,16 @@
             <ac:spMk id="24" creationId="{FF6BECB9-A7FC-400F-8502-97A13BB879D2}"/>
           </ac:spMkLst>
         </pc:spChg>
-        <pc:spChg chg="add">
-          <ac:chgData name="Ádám Győri" userId="4d9fed6201f4995a" providerId="LiveId" clId="{BD3D67E3-0DD8-4642-B879-5A5326420380}" dt="2024-05-29T19:19:38.481" v="19" actId="26606"/>
+        <pc:spChg chg="add del">
+          <ac:chgData name="Ádám Győri" userId="4d9fed6201f4995a" providerId="LiveId" clId="{BD3D67E3-0DD8-4642-B879-5A5326420380}" dt="2024-06-05T07:17:18.819" v="90"/>
           <ac:spMkLst>
             <pc:docMk/>
             <pc:sldMk cId="3319743928" sldId="256"/>
             <ac:spMk id="26" creationId="{7A875D55-4A80-43E9-38F6-27E3664939B0}"/>
           </ac:spMkLst>
         </pc:spChg>
-        <pc:spChg chg="add">
-          <ac:chgData name="Ádám Győri" userId="4d9fed6201f4995a" providerId="LiveId" clId="{BD3D67E3-0DD8-4642-B879-5A5326420380}" dt="2024-05-29T19:19:38.481" v="19" actId="26606"/>
+        <pc:spChg chg="add del">
+          <ac:chgData name="Ádám Győri" userId="4d9fed6201f4995a" providerId="LiveId" clId="{BD3D67E3-0DD8-4642-B879-5A5326420380}" dt="2024-06-05T07:17:18.819" v="90"/>
           <ac:spMkLst>
             <pc:docMk/>
             <pc:sldMk cId="3319743928" sldId="256"/>
@@ -267,18 +297,415 @@
           </ac:spMkLst>
         </pc:spChg>
       </pc:sldChg>
-      <pc:sldChg chg="new">
-        <pc:chgData name="Ádám Győri" userId="4d9fed6201f4995a" providerId="LiveId" clId="{BD3D67E3-0DD8-4642-B879-5A5326420380}" dt="2024-05-29T19:19:40.626" v="20" actId="680"/>
+      <pc:sldChg chg="addSp delSp modSp new mod modTransition setBg modClrScheme chgLayout">
+        <pc:chgData name="Ádám Győri" userId="4d9fed6201f4995a" providerId="LiveId" clId="{BD3D67E3-0DD8-4642-B879-5A5326420380}" dt="2024-06-05T08:14:45.749" v="293"/>
         <pc:sldMkLst>
           <pc:docMk/>
           <pc:sldMk cId="3678408652" sldId="257"/>
         </pc:sldMkLst>
+        <pc:spChg chg="del mod">
+          <ac:chgData name="Ádám Győri" userId="4d9fed6201f4995a" providerId="LiveId" clId="{BD3D67E3-0DD8-4642-B879-5A5326420380}" dt="2024-06-05T07:22:01.351" v="93" actId="700"/>
+          <ac:spMkLst>
+            <pc:docMk/>
+            <pc:sldMk cId="3678408652" sldId="257"/>
+            <ac:spMk id="2" creationId="{FAF8AD86-C167-13AA-5D9B-EF5ED090A1F3}"/>
+          </ac:spMkLst>
+        </pc:spChg>
+        <pc:spChg chg="del mod">
+          <ac:chgData name="Ádám Győri" userId="4d9fed6201f4995a" providerId="LiveId" clId="{BD3D67E3-0DD8-4642-B879-5A5326420380}" dt="2024-06-05T07:22:01.351" v="93" actId="700"/>
+          <ac:spMkLst>
+            <pc:docMk/>
+            <pc:sldMk cId="3678408652" sldId="257"/>
+            <ac:spMk id="3" creationId="{92C12D75-07D6-69A2-453F-C3D03F6A9B51}"/>
+          </ac:spMkLst>
+        </pc:spChg>
+        <pc:picChg chg="add del">
+          <ac:chgData name="Ádám Győri" userId="4d9fed6201f4995a" providerId="LiveId" clId="{BD3D67E3-0DD8-4642-B879-5A5326420380}" dt="2024-06-05T07:26:56.189" v="278" actId="478"/>
+          <ac:picMkLst>
+            <pc:docMk/>
+            <pc:sldMk cId="3678408652" sldId="257"/>
+            <ac:picMk id="5" creationId="{27D0AEA8-EA05-6A1D-2DD5-E4111C7ED5C7}"/>
+          </ac:picMkLst>
+        </pc:picChg>
+        <pc:picChg chg="add del">
+          <ac:chgData name="Ádám Győri" userId="4d9fed6201f4995a" providerId="LiveId" clId="{BD3D67E3-0DD8-4642-B879-5A5326420380}" dt="2024-06-05T07:26:54.702" v="277" actId="478"/>
+          <ac:picMkLst>
+            <pc:docMk/>
+            <pc:sldMk cId="3678408652" sldId="257"/>
+            <ac:picMk id="7" creationId="{CA539A54-E1DF-48A1-9E89-CBBD74C7E4E9}"/>
+          </ac:picMkLst>
+        </pc:picChg>
+        <pc:picChg chg="add del">
+          <ac:chgData name="Ádám Győri" userId="4d9fed6201f4995a" providerId="LiveId" clId="{BD3D67E3-0DD8-4642-B879-5A5326420380}" dt="2024-06-05T08:14:03.935" v="281" actId="478"/>
+          <ac:picMkLst>
+            <pc:docMk/>
+            <pc:sldMk cId="3678408652" sldId="257"/>
+            <ac:picMk id="9" creationId="{E273896A-A6C3-4C39-F9F2-767AB383B33A}"/>
+          </ac:picMkLst>
+        </pc:picChg>
+        <pc:picChg chg="add">
+          <ac:chgData name="Ádám Győri" userId="4d9fed6201f4995a" providerId="LiveId" clId="{BD3D67E3-0DD8-4642-B879-5A5326420380}" dt="2024-06-05T08:14:05.322" v="282" actId="22"/>
+          <ac:picMkLst>
+            <pc:docMk/>
+            <pc:sldMk cId="3678408652" sldId="257"/>
+            <ac:picMk id="11" creationId="{2257A91B-F991-5212-03CE-89C0A457EA41}"/>
+          </ac:picMkLst>
+        </pc:picChg>
       </pc:sldChg>
       <pc:sldChg chg="new add del">
         <pc:chgData name="Ádám Győri" userId="4d9fed6201f4995a" providerId="LiveId" clId="{BD3D67E3-0DD8-4642-B879-5A5326420380}" dt="2024-05-29T19:19:28.326" v="17" actId="680"/>
         <pc:sldMkLst>
           <pc:docMk/>
           <pc:sldMk cId="3752772427" sldId="257"/>
+        </pc:sldMkLst>
+      </pc:sldChg>
+      <pc:sldChg chg="new del">
+        <pc:chgData name="Ádám Győri" userId="4d9fed6201f4995a" providerId="LiveId" clId="{BD3D67E3-0DD8-4642-B879-5A5326420380}" dt="2024-06-05T07:24:03.367" v="274" actId="2696"/>
+        <pc:sldMkLst>
+          <pc:docMk/>
+          <pc:sldMk cId="719931561" sldId="258"/>
+        </pc:sldMkLst>
+      </pc:sldChg>
+      <pc:sldChg chg="add modTransition">
+        <pc:chgData name="Ádám Győri" userId="4d9fed6201f4995a" providerId="LiveId" clId="{BD3D67E3-0DD8-4642-B879-5A5326420380}" dt="2024-06-05T08:15:24.676" v="295"/>
+        <pc:sldMkLst>
+          <pc:docMk/>
+          <pc:sldMk cId="1862230597" sldId="258"/>
+        </pc:sldMkLst>
+      </pc:sldChg>
+      <pc:sldChg chg="add modTransition">
+        <pc:chgData name="Ádám Győri" userId="4d9fed6201f4995a" providerId="LiveId" clId="{BD3D67E3-0DD8-4642-B879-5A5326420380}" dt="2024-06-05T08:14:45.749" v="293"/>
+        <pc:sldMkLst>
+          <pc:docMk/>
+          <pc:sldMk cId="88561816" sldId="259"/>
+        </pc:sldMkLst>
+      </pc:sldChg>
+      <pc:sldChg chg="addSp delSp add mod">
+        <pc:chgData name="Ádám Győri" userId="4d9fed6201f4995a" providerId="LiveId" clId="{BD3D67E3-0DD8-4642-B879-5A5326420380}" dt="2024-06-05T08:20:12.690" v="300" actId="22"/>
+        <pc:sldMkLst>
+          <pc:docMk/>
+          <pc:sldMk cId="3273420075" sldId="260"/>
+        </pc:sldMkLst>
+        <pc:picChg chg="add del">
+          <ac:chgData name="Ádám Győri" userId="4d9fed6201f4995a" providerId="LiveId" clId="{BD3D67E3-0DD8-4642-B879-5A5326420380}" dt="2024-06-05T08:17:28.469" v="299" actId="478"/>
+          <ac:picMkLst>
+            <pc:docMk/>
+            <pc:sldMk cId="3273420075" sldId="260"/>
+            <ac:picMk id="3" creationId="{E2A68B4E-E99C-D0EB-7E1E-28CE3BAF32F6}"/>
+          </ac:picMkLst>
+        </pc:picChg>
+        <pc:picChg chg="del">
+          <ac:chgData name="Ádám Győri" userId="4d9fed6201f4995a" providerId="LiveId" clId="{BD3D67E3-0DD8-4642-B879-5A5326420380}" dt="2024-06-05T08:15:32.650" v="297" actId="478"/>
+          <ac:picMkLst>
+            <pc:docMk/>
+            <pc:sldMk cId="3273420075" sldId="260"/>
+            <ac:picMk id="5" creationId="{27D0AEA8-EA05-6A1D-2DD5-E4111C7ED5C7}"/>
+          </ac:picMkLst>
+        </pc:picChg>
+        <pc:picChg chg="add">
+          <ac:chgData name="Ádám Győri" userId="4d9fed6201f4995a" providerId="LiveId" clId="{BD3D67E3-0DD8-4642-B879-5A5326420380}" dt="2024-06-05T08:20:12.690" v="300" actId="22"/>
+          <ac:picMkLst>
+            <pc:docMk/>
+            <pc:sldMk cId="3273420075" sldId="260"/>
+            <ac:picMk id="6" creationId="{8E499514-62CB-3EE7-750F-3839366151AD}"/>
+          </ac:picMkLst>
+        </pc:picChg>
+      </pc:sldChg>
+      <pc:sldChg chg="addSp delSp modSp add mod">
+        <pc:chgData name="Ádám Győri" userId="4d9fed6201f4995a" providerId="LiveId" clId="{BD3D67E3-0DD8-4642-B879-5A5326420380}" dt="2024-06-05T09:51:42.360" v="343" actId="29295"/>
+        <pc:sldMkLst>
+          <pc:docMk/>
+          <pc:sldMk cId="3485392139" sldId="261"/>
+        </pc:sldMkLst>
+        <pc:picChg chg="add mod">
+          <ac:chgData name="Ádám Győri" userId="4d9fed6201f4995a" providerId="LiveId" clId="{BD3D67E3-0DD8-4642-B879-5A5326420380}" dt="2024-06-05T09:51:42.360" v="343" actId="29295"/>
+          <ac:picMkLst>
+            <pc:docMk/>
+            <pc:sldMk cId="3485392139" sldId="261"/>
+            <ac:picMk id="3" creationId="{A2733518-46A0-30E8-3169-0E4EBC699A0A}"/>
+          </ac:picMkLst>
+        </pc:picChg>
+        <pc:picChg chg="del">
+          <ac:chgData name="Ádám Győri" userId="4d9fed6201f4995a" providerId="LiveId" clId="{BD3D67E3-0DD8-4642-B879-5A5326420380}" dt="2024-06-05T08:20:25.459" v="302" actId="478"/>
+          <ac:picMkLst>
+            <pc:docMk/>
+            <pc:sldMk cId="3485392139" sldId="261"/>
+            <ac:picMk id="6" creationId="{8E499514-62CB-3EE7-750F-3839366151AD}"/>
+          </ac:picMkLst>
+        </pc:picChg>
+      </pc:sldChg>
+      <pc:sldChg chg="addSp delSp add mod">
+        <pc:chgData name="Ádám Győri" userId="4d9fed6201f4995a" providerId="LiveId" clId="{BD3D67E3-0DD8-4642-B879-5A5326420380}" dt="2024-06-05T08:22:38.700" v="306" actId="22"/>
+        <pc:sldMkLst>
+          <pc:docMk/>
+          <pc:sldMk cId="3985842382" sldId="262"/>
+        </pc:sldMkLst>
+        <pc:picChg chg="del">
+          <ac:chgData name="Ádám Győri" userId="4d9fed6201f4995a" providerId="LiveId" clId="{BD3D67E3-0DD8-4642-B879-5A5326420380}" dt="2024-06-05T08:21:42.280" v="305" actId="478"/>
+          <ac:picMkLst>
+            <pc:docMk/>
+            <pc:sldMk cId="3985842382" sldId="262"/>
+            <ac:picMk id="3" creationId="{A2733518-46A0-30E8-3169-0E4EBC699A0A}"/>
+          </ac:picMkLst>
+        </pc:picChg>
+        <pc:picChg chg="add">
+          <ac:chgData name="Ádám Győri" userId="4d9fed6201f4995a" providerId="LiveId" clId="{BD3D67E3-0DD8-4642-B879-5A5326420380}" dt="2024-06-05T08:22:38.700" v="306" actId="22"/>
+          <ac:picMkLst>
+            <pc:docMk/>
+            <pc:sldMk cId="3985842382" sldId="262"/>
+            <ac:picMk id="4" creationId="{66C8512D-6BD9-02D6-F252-92A9DEA4B5F4}"/>
+          </ac:picMkLst>
+        </pc:picChg>
+      </pc:sldChg>
+      <pc:sldChg chg="addSp delSp add mod">
+        <pc:chgData name="Ádám Győri" userId="4d9fed6201f4995a" providerId="LiveId" clId="{BD3D67E3-0DD8-4642-B879-5A5326420380}" dt="2024-06-05T08:24:22.538" v="309" actId="22"/>
+        <pc:sldMkLst>
+          <pc:docMk/>
+          <pc:sldMk cId="3718513165" sldId="263"/>
+        </pc:sldMkLst>
+        <pc:picChg chg="add">
+          <ac:chgData name="Ádám Győri" userId="4d9fed6201f4995a" providerId="LiveId" clId="{BD3D67E3-0DD8-4642-B879-5A5326420380}" dt="2024-06-05T08:24:22.538" v="309" actId="22"/>
+          <ac:picMkLst>
+            <pc:docMk/>
+            <pc:sldMk cId="3718513165" sldId="263"/>
+            <ac:picMk id="3" creationId="{3C966561-42AC-2ED7-1451-2B0D8B972B25}"/>
+          </ac:picMkLst>
+        </pc:picChg>
+        <pc:picChg chg="del">
+          <ac:chgData name="Ádám Győri" userId="4d9fed6201f4995a" providerId="LiveId" clId="{BD3D67E3-0DD8-4642-B879-5A5326420380}" dt="2024-06-05T08:23:28.518" v="308" actId="478"/>
+          <ac:picMkLst>
+            <pc:docMk/>
+            <pc:sldMk cId="3718513165" sldId="263"/>
+            <ac:picMk id="4" creationId="{66C8512D-6BD9-02D6-F252-92A9DEA4B5F4}"/>
+          </ac:picMkLst>
+        </pc:picChg>
+      </pc:sldChg>
+      <pc:sldChg chg="addSp delSp add mod">
+        <pc:chgData name="Ádám Győri" userId="4d9fed6201f4995a" providerId="LiveId" clId="{BD3D67E3-0DD8-4642-B879-5A5326420380}" dt="2024-06-05T08:29:02.320" v="314" actId="22"/>
+        <pc:sldMkLst>
+          <pc:docMk/>
+          <pc:sldMk cId="1139930456" sldId="264"/>
+        </pc:sldMkLst>
+        <pc:picChg chg="del">
+          <ac:chgData name="Ádám Győri" userId="4d9fed6201f4995a" providerId="LiveId" clId="{BD3D67E3-0DD8-4642-B879-5A5326420380}" dt="2024-06-05T08:24:46.991" v="311" actId="478"/>
+          <ac:picMkLst>
+            <pc:docMk/>
+            <pc:sldMk cId="1139930456" sldId="264"/>
+            <ac:picMk id="3" creationId="{3C966561-42AC-2ED7-1451-2B0D8B972B25}"/>
+          </ac:picMkLst>
+        </pc:picChg>
+        <pc:picChg chg="add del">
+          <ac:chgData name="Ádám Győri" userId="4d9fed6201f4995a" providerId="LiveId" clId="{BD3D67E3-0DD8-4642-B879-5A5326420380}" dt="2024-06-05T08:27:59.939" v="313" actId="478"/>
+          <ac:picMkLst>
+            <pc:docMk/>
+            <pc:sldMk cId="1139930456" sldId="264"/>
+            <ac:picMk id="4" creationId="{2CB1A137-B7FB-FE34-EFF2-B28230F8D8B1}"/>
+          </ac:picMkLst>
+        </pc:picChg>
+        <pc:picChg chg="add">
+          <ac:chgData name="Ádám Győri" userId="4d9fed6201f4995a" providerId="LiveId" clId="{BD3D67E3-0DD8-4642-B879-5A5326420380}" dt="2024-06-05T08:29:02.320" v="314" actId="22"/>
+          <ac:picMkLst>
+            <pc:docMk/>
+            <pc:sldMk cId="1139930456" sldId="264"/>
+            <ac:picMk id="6" creationId="{884E74F3-1431-AF8B-E8C7-5DEE0B43077F}"/>
+          </ac:picMkLst>
+        </pc:picChg>
+      </pc:sldChg>
+      <pc:sldChg chg="addSp delSp add mod">
+        <pc:chgData name="Ádám Győri" userId="4d9fed6201f4995a" providerId="LiveId" clId="{BD3D67E3-0DD8-4642-B879-5A5326420380}" dt="2024-06-05T09:54:41.081" v="345" actId="22"/>
+        <pc:sldMkLst>
+          <pc:docMk/>
+          <pc:sldMk cId="1456168532" sldId="265"/>
+        </pc:sldMkLst>
+        <pc:picChg chg="add">
+          <ac:chgData name="Ádám Győri" userId="4d9fed6201f4995a" providerId="LiveId" clId="{BD3D67E3-0DD8-4642-B879-5A5326420380}" dt="2024-06-05T09:54:41.081" v="345" actId="22"/>
+          <ac:picMkLst>
+            <pc:docMk/>
+            <pc:sldMk cId="1456168532" sldId="265"/>
+            <ac:picMk id="3" creationId="{9EF6E671-35DB-4633-8D34-FBF26AC1FBB2}"/>
+          </ac:picMkLst>
+        </pc:picChg>
+        <pc:picChg chg="del">
+          <ac:chgData name="Ádám Győri" userId="4d9fed6201f4995a" providerId="LiveId" clId="{BD3D67E3-0DD8-4642-B879-5A5326420380}" dt="2024-06-05T08:29:10.139" v="316" actId="478"/>
+          <ac:picMkLst>
+            <pc:docMk/>
+            <pc:sldMk cId="1456168532" sldId="265"/>
+            <ac:picMk id="6" creationId="{884E74F3-1431-AF8B-E8C7-5DEE0B43077F}"/>
+          </ac:picMkLst>
+        </pc:picChg>
+      </pc:sldChg>
+      <pc:sldChg chg="addSp add mod">
+        <pc:chgData name="Ádám Győri" userId="4d9fed6201f4995a" providerId="LiveId" clId="{BD3D67E3-0DD8-4642-B879-5A5326420380}" dt="2024-06-05T09:55:19.855" v="347" actId="22"/>
+        <pc:sldMkLst>
+          <pc:docMk/>
+          <pc:sldMk cId="201273528" sldId="266"/>
+        </pc:sldMkLst>
+        <pc:picChg chg="add">
+          <ac:chgData name="Ádám Győri" userId="4d9fed6201f4995a" providerId="LiveId" clId="{BD3D67E3-0DD8-4642-B879-5A5326420380}" dt="2024-06-05T09:55:19.855" v="347" actId="22"/>
+          <ac:picMkLst>
+            <pc:docMk/>
+            <pc:sldMk cId="201273528" sldId="266"/>
+            <ac:picMk id="3" creationId="{0442CD0D-6BD6-16C9-4A11-F0778ABCDAA4}"/>
+          </ac:picMkLst>
+        </pc:picChg>
+      </pc:sldChg>
+      <pc:sldChg chg="addSp add mod">
+        <pc:chgData name="Ádám Győri" userId="4d9fed6201f4995a" providerId="LiveId" clId="{BD3D67E3-0DD8-4642-B879-5A5326420380}" dt="2024-06-05T09:56:56.912" v="349" actId="22"/>
+        <pc:sldMkLst>
+          <pc:docMk/>
+          <pc:sldMk cId="301578635" sldId="267"/>
+        </pc:sldMkLst>
+        <pc:picChg chg="add">
+          <ac:chgData name="Ádám Győri" userId="4d9fed6201f4995a" providerId="LiveId" clId="{BD3D67E3-0DD8-4642-B879-5A5326420380}" dt="2024-06-05T09:56:56.912" v="349" actId="22"/>
+          <ac:picMkLst>
+            <pc:docMk/>
+            <pc:sldMk cId="301578635" sldId="267"/>
+            <ac:picMk id="3" creationId="{CBD4AC77-FAEE-10E5-4A26-042D979B4E20}"/>
+          </ac:picMkLst>
+        </pc:picChg>
+      </pc:sldChg>
+      <pc:sldChg chg="addSp modSp add mod ord modClrScheme chgLayout">
+        <pc:chgData name="Ádám Győri" userId="4d9fed6201f4995a" providerId="LiveId" clId="{BD3D67E3-0DD8-4642-B879-5A5326420380}" dt="2024-06-05T09:58:46.925" v="376" actId="403"/>
+        <pc:sldMkLst>
+          <pc:docMk/>
+          <pc:sldMk cId="3257005008" sldId="268"/>
+        </pc:sldMkLst>
+        <pc:spChg chg="add mod">
+          <ac:chgData name="Ádám Győri" userId="4d9fed6201f4995a" providerId="LiveId" clId="{BD3D67E3-0DD8-4642-B879-5A5326420380}" dt="2024-06-05T09:58:46.925" v="376" actId="403"/>
+          <ac:spMkLst>
+            <pc:docMk/>
+            <pc:sldMk cId="3257005008" sldId="268"/>
+            <ac:spMk id="2" creationId="{BEC3BA04-8DAD-4C29-F0AE-D3F1D7EF3F5A}"/>
+          </ac:spMkLst>
+        </pc:spChg>
+      </pc:sldChg>
+      <pc:sldChg chg="addSp modSp add mod modClrScheme chgLayout">
+        <pc:chgData name="Ádám Győri" userId="4d9fed6201f4995a" providerId="LiveId" clId="{BD3D67E3-0DD8-4642-B879-5A5326420380}" dt="2024-06-05T09:59:21.749" v="397" actId="403"/>
+        <pc:sldMkLst>
+          <pc:docMk/>
+          <pc:sldMk cId="3766490650" sldId="269"/>
+        </pc:sldMkLst>
+        <pc:spChg chg="add mod">
+          <ac:chgData name="Ádám Győri" userId="4d9fed6201f4995a" providerId="LiveId" clId="{BD3D67E3-0DD8-4642-B879-5A5326420380}" dt="2024-06-05T09:59:21.749" v="397" actId="403"/>
+          <ac:spMkLst>
+            <pc:docMk/>
+            <pc:sldMk cId="3766490650" sldId="269"/>
+            <ac:spMk id="2" creationId="{A5793F61-CC7A-FA2C-35E6-5127A22E6FF0}"/>
+          </ac:spMkLst>
+        </pc:spChg>
+      </pc:sldChg>
+      <pc:sldChg chg="addSp delSp modSp add mod modClrScheme modAnim chgLayout">
+        <pc:chgData name="Ádám Győri" userId="4d9fed6201f4995a" providerId="LiveId" clId="{BD3D67E3-0DD8-4642-B879-5A5326420380}" dt="2024-06-05T10:10:36.236" v="412"/>
+        <pc:sldMkLst>
+          <pc:docMk/>
+          <pc:sldMk cId="288406671" sldId="270"/>
+        </pc:sldMkLst>
+        <pc:spChg chg="del mod ord">
+          <ac:chgData name="Ádám Győri" userId="4d9fed6201f4995a" providerId="LiveId" clId="{BD3D67E3-0DD8-4642-B879-5A5326420380}" dt="2024-06-05T10:00:02.208" v="400" actId="478"/>
+          <ac:spMkLst>
+            <pc:docMk/>
+            <pc:sldMk cId="288406671" sldId="270"/>
+            <ac:spMk id="2" creationId="{A5793F61-CC7A-FA2C-35E6-5127A22E6FF0}"/>
+          </ac:spMkLst>
+        </pc:spChg>
+        <pc:picChg chg="add mod">
+          <ac:chgData name="Ádám Győri" userId="4d9fed6201f4995a" providerId="LiveId" clId="{BD3D67E3-0DD8-4642-B879-5A5326420380}" dt="2024-06-05T10:08:23.568" v="409" actId="1076"/>
+          <ac:picMkLst>
+            <pc:docMk/>
+            <pc:sldMk cId="288406671" sldId="270"/>
+            <ac:picMk id="4" creationId="{595CF5E0-CEC0-8C52-F556-128B45584E1F}"/>
+          </ac:picMkLst>
+        </pc:picChg>
+      </pc:sldChg>
+      <pc:sldChg chg="addSp delSp add mod delAnim">
+        <pc:chgData name="Ádám Győri" userId="4d9fed6201f4995a" providerId="LiveId" clId="{BD3D67E3-0DD8-4642-B879-5A5326420380}" dt="2024-06-05T10:19:51.634" v="415"/>
+        <pc:sldMkLst>
+          <pc:docMk/>
+          <pc:sldMk cId="2283692875" sldId="271"/>
+        </pc:sldMkLst>
+        <pc:picChg chg="del">
+          <ac:chgData name="Ádám Győri" userId="4d9fed6201f4995a" providerId="LiveId" clId="{BD3D67E3-0DD8-4642-B879-5A5326420380}" dt="2024-06-05T10:10:43.113" v="414" actId="478"/>
+          <ac:picMkLst>
+            <pc:docMk/>
+            <pc:sldMk cId="2283692875" sldId="271"/>
+            <ac:picMk id="4" creationId="{595CF5E0-CEC0-8C52-F556-128B45584E1F}"/>
+          </ac:picMkLst>
+        </pc:picChg>
+        <pc:picChg chg="add">
+          <ac:chgData name="Ádám Győri" userId="4d9fed6201f4995a" providerId="LiveId" clId="{BD3D67E3-0DD8-4642-B879-5A5326420380}" dt="2024-06-05T10:19:51.634" v="415"/>
+          <ac:picMkLst>
+            <pc:docMk/>
+            <pc:sldMk cId="2283692875" sldId="271"/>
+            <ac:picMk id="1026" creationId="{73AC56C9-598E-5555-A069-E16B14C21E44}"/>
+          </ac:picMkLst>
+        </pc:picChg>
+      </pc:sldChg>
+      <pc:sldChg chg="addSp delSp modSp add mod modClrScheme chgLayout">
+        <pc:chgData name="Ádám Győri" userId="4d9fed6201f4995a" providerId="LiveId" clId="{BD3D67E3-0DD8-4642-B879-5A5326420380}" dt="2024-06-05T10:27:13.918" v="493" actId="20577"/>
+        <pc:sldMkLst>
+          <pc:docMk/>
+          <pc:sldMk cId="1372681787" sldId="272"/>
+        </pc:sldMkLst>
+        <pc:spChg chg="add mod">
+          <ac:chgData name="Ádám Győri" userId="4d9fed6201f4995a" providerId="LiveId" clId="{BD3D67E3-0DD8-4642-B879-5A5326420380}" dt="2024-06-05T10:27:13.918" v="493" actId="20577"/>
+          <ac:spMkLst>
+            <pc:docMk/>
+            <pc:sldMk cId="1372681787" sldId="272"/>
+            <ac:spMk id="2" creationId="{FD1F87ED-7822-71A2-6060-B54ADF1D5CC6}"/>
+          </ac:spMkLst>
+        </pc:spChg>
+        <pc:picChg chg="del">
+          <ac:chgData name="Ádám Győri" userId="4d9fed6201f4995a" providerId="LiveId" clId="{BD3D67E3-0DD8-4642-B879-5A5326420380}" dt="2024-06-05T10:21:55.518" v="419" actId="478"/>
+          <ac:picMkLst>
+            <pc:docMk/>
+            <pc:sldMk cId="1372681787" sldId="272"/>
+            <ac:picMk id="1026" creationId="{73AC56C9-598E-5555-A069-E16B14C21E44}"/>
+          </ac:picMkLst>
+        </pc:picChg>
+      </pc:sldChg>
+      <pc:sldChg chg="addSp delSp modSp add mod modClrScheme chgLayout">
+        <pc:chgData name="Ádám Győri" userId="4d9fed6201f4995a" providerId="LiveId" clId="{BD3D67E3-0DD8-4642-B879-5A5326420380}" dt="2024-06-05T10:32:34.172" v="497" actId="22"/>
+        <pc:sldMkLst>
+          <pc:docMk/>
+          <pc:sldMk cId="32372872" sldId="273"/>
+        </pc:sldMkLst>
+        <pc:spChg chg="del mod">
+          <ac:chgData name="Ádám Győri" userId="4d9fed6201f4995a" providerId="LiveId" clId="{BD3D67E3-0DD8-4642-B879-5A5326420380}" dt="2024-06-05T10:27:29.654" v="495" actId="478"/>
+          <ac:spMkLst>
+            <pc:docMk/>
+            <pc:sldMk cId="32372872" sldId="273"/>
+            <ac:spMk id="2" creationId="{FD1F87ED-7822-71A2-6060-B54ADF1D5CC6}"/>
+          </ac:spMkLst>
+        </pc:spChg>
+        <pc:spChg chg="add del mod">
+          <ac:chgData name="Ádám Győri" userId="4d9fed6201f4995a" providerId="LiveId" clId="{BD3D67E3-0DD8-4642-B879-5A5326420380}" dt="2024-06-05T10:27:32.677" v="496" actId="700"/>
+          <ac:spMkLst>
+            <pc:docMk/>
+            <pc:sldMk cId="32372872" sldId="273"/>
+            <ac:spMk id="4" creationId="{FE2B8F6A-B9DD-ABB2-9D6A-84F52379CFD5}"/>
+          </ac:spMkLst>
+        </pc:spChg>
+        <pc:picChg chg="add">
+          <ac:chgData name="Ádám Győri" userId="4d9fed6201f4995a" providerId="LiveId" clId="{BD3D67E3-0DD8-4642-B879-5A5326420380}" dt="2024-06-05T10:32:34.172" v="497" actId="22"/>
+          <ac:picMkLst>
+            <pc:docMk/>
+            <pc:sldMk cId="32372872" sldId="273"/>
+            <ac:picMk id="6" creationId="{DB4180A6-A08A-3BB6-8107-8C99DB3A2C93}"/>
+          </ac:picMkLst>
+        </pc:picChg>
+      </pc:sldChg>
+      <pc:sldChg chg="new del">
+        <pc:chgData name="Ádám Győri" userId="4d9fed6201f4995a" providerId="LiveId" clId="{BD3D67E3-0DD8-4642-B879-5A5326420380}" dt="2024-06-05T10:21:50.992" v="418" actId="47"/>
+        <pc:sldMkLst>
+          <pc:docMk/>
+          <pc:sldMk cId="1304930697" sldId="273"/>
+        </pc:sldMkLst>
+      </pc:sldChg>
+      <pc:sldChg chg="add ord">
+        <pc:chgData name="Ádám Győri" userId="4d9fed6201f4995a" providerId="LiveId" clId="{BD3D67E3-0DD8-4642-B879-5A5326420380}" dt="2024-06-05T10:33:32.194" v="499"/>
+        <pc:sldMkLst>
+          <pc:docMk/>
+          <pc:sldMk cId="3423334723" sldId="274"/>
         </pc:sldMkLst>
       </pc:sldChg>
       <pc:sldMasterChg chg="del delSldLayout">
@@ -471,94 +898,94 @@
           </pc:sldLayoutMkLst>
         </pc:sldLayoutChg>
       </pc:sldMasterChg>
-      <pc:sldMasterChg chg="add addSldLayout">
-        <pc:chgData name="Ádám Győri" userId="4d9fed6201f4995a" providerId="LiveId" clId="{BD3D67E3-0DD8-4642-B879-5A5326420380}" dt="2024-05-29T19:19:38.481" v="19" actId="26606"/>
+      <pc:sldMasterChg chg="add modTransition addSldLayout modSldLayout">
+        <pc:chgData name="Ádám Győri" userId="4d9fed6201f4995a" providerId="LiveId" clId="{BD3D67E3-0DD8-4642-B879-5A5326420380}" dt="2024-06-05T08:14:45.749" v="293"/>
         <pc:sldMasterMkLst>
           <pc:docMk/>
           <pc:sldMasterMk cId="1712561012" sldId="2147483727"/>
         </pc:sldMasterMkLst>
-        <pc:sldLayoutChg chg="add">
-          <pc:chgData name="Ádám Győri" userId="4d9fed6201f4995a" providerId="LiveId" clId="{BD3D67E3-0DD8-4642-B879-5A5326420380}" dt="2024-05-29T19:19:38.481" v="19" actId="26606"/>
+        <pc:sldLayoutChg chg="add modTransition">
+          <pc:chgData name="Ádám Győri" userId="4d9fed6201f4995a" providerId="LiveId" clId="{BD3D67E3-0DD8-4642-B879-5A5326420380}" dt="2024-06-05T08:14:45.749" v="293"/>
           <pc:sldLayoutMkLst>
             <pc:docMk/>
             <pc:sldMasterMk cId="1712561012" sldId="2147483727"/>
             <pc:sldLayoutMk cId="1704597527" sldId="2147483728"/>
           </pc:sldLayoutMkLst>
         </pc:sldLayoutChg>
-        <pc:sldLayoutChg chg="add">
-          <pc:chgData name="Ádám Győri" userId="4d9fed6201f4995a" providerId="LiveId" clId="{BD3D67E3-0DD8-4642-B879-5A5326420380}" dt="2024-05-29T19:19:38.481" v="19" actId="26606"/>
+        <pc:sldLayoutChg chg="add modTransition">
+          <pc:chgData name="Ádám Győri" userId="4d9fed6201f4995a" providerId="LiveId" clId="{BD3D67E3-0DD8-4642-B879-5A5326420380}" dt="2024-06-05T08:14:45.749" v="293"/>
           <pc:sldLayoutMkLst>
             <pc:docMk/>
             <pc:sldMasterMk cId="1712561012" sldId="2147483727"/>
             <pc:sldLayoutMk cId="2602186000" sldId="2147483729"/>
           </pc:sldLayoutMkLst>
         </pc:sldLayoutChg>
-        <pc:sldLayoutChg chg="add">
-          <pc:chgData name="Ádám Győri" userId="4d9fed6201f4995a" providerId="LiveId" clId="{BD3D67E3-0DD8-4642-B879-5A5326420380}" dt="2024-05-29T19:19:38.481" v="19" actId="26606"/>
+        <pc:sldLayoutChg chg="add modTransition">
+          <pc:chgData name="Ádám Győri" userId="4d9fed6201f4995a" providerId="LiveId" clId="{BD3D67E3-0DD8-4642-B879-5A5326420380}" dt="2024-06-05T08:14:45.749" v="293"/>
           <pc:sldLayoutMkLst>
             <pc:docMk/>
             <pc:sldMasterMk cId="1712561012" sldId="2147483727"/>
             <pc:sldLayoutMk cId="1935915955" sldId="2147483730"/>
           </pc:sldLayoutMkLst>
         </pc:sldLayoutChg>
-        <pc:sldLayoutChg chg="add">
-          <pc:chgData name="Ádám Győri" userId="4d9fed6201f4995a" providerId="LiveId" clId="{BD3D67E3-0DD8-4642-B879-5A5326420380}" dt="2024-05-29T19:19:38.481" v="19" actId="26606"/>
+        <pc:sldLayoutChg chg="add modTransition">
+          <pc:chgData name="Ádám Győri" userId="4d9fed6201f4995a" providerId="LiveId" clId="{BD3D67E3-0DD8-4642-B879-5A5326420380}" dt="2024-06-05T08:14:45.749" v="293"/>
           <pc:sldLayoutMkLst>
             <pc:docMk/>
             <pc:sldMasterMk cId="1712561012" sldId="2147483727"/>
             <pc:sldLayoutMk cId="1901859687" sldId="2147483731"/>
           </pc:sldLayoutMkLst>
         </pc:sldLayoutChg>
-        <pc:sldLayoutChg chg="add">
-          <pc:chgData name="Ádám Győri" userId="4d9fed6201f4995a" providerId="LiveId" clId="{BD3D67E3-0DD8-4642-B879-5A5326420380}" dt="2024-05-29T19:19:38.481" v="19" actId="26606"/>
+        <pc:sldLayoutChg chg="add modTransition">
+          <pc:chgData name="Ádám Győri" userId="4d9fed6201f4995a" providerId="LiveId" clId="{BD3D67E3-0DD8-4642-B879-5A5326420380}" dt="2024-06-05T08:14:45.749" v="293"/>
           <pc:sldLayoutMkLst>
             <pc:docMk/>
             <pc:sldMasterMk cId="1712561012" sldId="2147483727"/>
             <pc:sldLayoutMk cId="2118279512" sldId="2147483732"/>
           </pc:sldLayoutMkLst>
         </pc:sldLayoutChg>
-        <pc:sldLayoutChg chg="add">
-          <pc:chgData name="Ádám Győri" userId="4d9fed6201f4995a" providerId="LiveId" clId="{BD3D67E3-0DD8-4642-B879-5A5326420380}" dt="2024-05-29T19:19:38.481" v="19" actId="26606"/>
+        <pc:sldLayoutChg chg="add modTransition">
+          <pc:chgData name="Ádám Győri" userId="4d9fed6201f4995a" providerId="LiveId" clId="{BD3D67E3-0DD8-4642-B879-5A5326420380}" dt="2024-06-05T08:14:45.749" v="293"/>
           <pc:sldLayoutMkLst>
             <pc:docMk/>
             <pc:sldMasterMk cId="1712561012" sldId="2147483727"/>
             <pc:sldLayoutMk cId="1034087277" sldId="2147483733"/>
           </pc:sldLayoutMkLst>
         </pc:sldLayoutChg>
-        <pc:sldLayoutChg chg="add">
-          <pc:chgData name="Ádám Győri" userId="4d9fed6201f4995a" providerId="LiveId" clId="{BD3D67E3-0DD8-4642-B879-5A5326420380}" dt="2024-05-29T19:19:38.481" v="19" actId="26606"/>
+        <pc:sldLayoutChg chg="add modTransition">
+          <pc:chgData name="Ádám Győri" userId="4d9fed6201f4995a" providerId="LiveId" clId="{BD3D67E3-0DD8-4642-B879-5A5326420380}" dt="2024-06-05T08:14:45.749" v="293"/>
           <pc:sldLayoutMkLst>
             <pc:docMk/>
             <pc:sldMasterMk cId="1712561012" sldId="2147483727"/>
             <pc:sldLayoutMk cId="2577794257" sldId="2147483734"/>
           </pc:sldLayoutMkLst>
         </pc:sldLayoutChg>
-        <pc:sldLayoutChg chg="add">
-          <pc:chgData name="Ádám Győri" userId="4d9fed6201f4995a" providerId="LiveId" clId="{BD3D67E3-0DD8-4642-B879-5A5326420380}" dt="2024-05-29T19:19:38.481" v="19" actId="26606"/>
+        <pc:sldLayoutChg chg="add modTransition">
+          <pc:chgData name="Ádám Győri" userId="4d9fed6201f4995a" providerId="LiveId" clId="{BD3D67E3-0DD8-4642-B879-5A5326420380}" dt="2024-06-05T08:14:45.749" v="293"/>
           <pc:sldLayoutMkLst>
             <pc:docMk/>
             <pc:sldMasterMk cId="1712561012" sldId="2147483727"/>
             <pc:sldLayoutMk cId="3038134393" sldId="2147483735"/>
           </pc:sldLayoutMkLst>
         </pc:sldLayoutChg>
-        <pc:sldLayoutChg chg="add">
-          <pc:chgData name="Ádám Győri" userId="4d9fed6201f4995a" providerId="LiveId" clId="{BD3D67E3-0DD8-4642-B879-5A5326420380}" dt="2024-05-29T19:19:38.481" v="19" actId="26606"/>
+        <pc:sldLayoutChg chg="add modTransition">
+          <pc:chgData name="Ádám Győri" userId="4d9fed6201f4995a" providerId="LiveId" clId="{BD3D67E3-0DD8-4642-B879-5A5326420380}" dt="2024-06-05T08:14:45.749" v="293"/>
           <pc:sldLayoutMkLst>
             <pc:docMk/>
             <pc:sldMasterMk cId="1712561012" sldId="2147483727"/>
             <pc:sldLayoutMk cId="2700335094" sldId="2147483736"/>
           </pc:sldLayoutMkLst>
         </pc:sldLayoutChg>
-        <pc:sldLayoutChg chg="add">
-          <pc:chgData name="Ádám Győri" userId="4d9fed6201f4995a" providerId="LiveId" clId="{BD3D67E3-0DD8-4642-B879-5A5326420380}" dt="2024-05-29T19:19:38.481" v="19" actId="26606"/>
+        <pc:sldLayoutChg chg="add modTransition">
+          <pc:chgData name="Ádám Győri" userId="4d9fed6201f4995a" providerId="LiveId" clId="{BD3D67E3-0DD8-4642-B879-5A5326420380}" dt="2024-06-05T08:14:45.749" v="293"/>
           <pc:sldLayoutMkLst>
             <pc:docMk/>
             <pc:sldMasterMk cId="1712561012" sldId="2147483727"/>
             <pc:sldLayoutMk cId="2130871424" sldId="2147483737"/>
           </pc:sldLayoutMkLst>
         </pc:sldLayoutChg>
-        <pc:sldLayoutChg chg="add">
-          <pc:chgData name="Ádám Győri" userId="4d9fed6201f4995a" providerId="LiveId" clId="{BD3D67E3-0DD8-4642-B879-5A5326420380}" dt="2024-05-29T19:19:38.481" v="19" actId="26606"/>
+        <pc:sldLayoutChg chg="add modTransition">
+          <pc:chgData name="Ádám Győri" userId="4d9fed6201f4995a" providerId="LiveId" clId="{BD3D67E3-0DD8-4642-B879-5A5326420380}" dt="2024-06-05T08:14:45.749" v="293"/>
           <pc:sldLayoutMkLst>
             <pc:docMk/>
             <pc:sldMasterMk cId="1712561012" sldId="2147483727"/>
@@ -819,7 +1246,7 @@
           <a:p>
             <a:fld id="{C128FA71-3A18-48C0-980F-4B68F7F63042}" type="datetime1">
               <a:rPr lang="en-US" smtClean="0"/>
-              <a:t>2024-05-29</a:t>
+              <a:t>2024-06-05</a:t>
             </a:fld>
             <a:endParaRPr lang="en-US"/>
           </a:p>
@@ -889,6 +1316,18 @@
   <p:clrMapOvr>
     <a:masterClrMapping/>
   </p:clrMapOvr>
+  <mc:AlternateContent xmlns:mc="http://schemas.openxmlformats.org/markup-compatibility/2006" xmlns:p159="http://schemas.microsoft.com/office/powerpoint/2015/09/main">
+    <mc:Choice Requires="p159">
+      <p:transition>
+        <p159:morph option="byObject"/>
+      </p:transition>
+    </mc:Choice>
+    <mc:Fallback xmlns="">
+      <p:transition>
+        <p:fade/>
+      </p:transition>
+    </mc:Fallback>
+  </mc:AlternateContent>
 </p:sldLayout>
 </file>
 
@@ -1027,7 +1466,7 @@
           <a:p>
             <a:fld id="{7104EDB3-C0E8-45F8-9E1D-1B6C8D1880C0}" type="datetime1">
               <a:rPr lang="en-US" smtClean="0"/>
-              <a:t>2024-05-29</a:t>
+              <a:t>2024-06-05</a:t>
             </a:fld>
             <a:endParaRPr lang="en-US"/>
           </a:p>
@@ -1097,6 +1536,18 @@
   <p:clrMapOvr>
     <a:masterClrMapping/>
   </p:clrMapOvr>
+  <mc:AlternateContent xmlns:mc="http://schemas.openxmlformats.org/markup-compatibility/2006" xmlns:p159="http://schemas.microsoft.com/office/powerpoint/2015/09/main">
+    <mc:Choice Requires="p159">
+      <p:transition>
+        <p159:morph option="byObject"/>
+      </p:transition>
+    </mc:Choice>
+    <mc:Fallback xmlns="">
+      <p:transition>
+        <p:fade/>
+      </p:transition>
+    </mc:Fallback>
+  </mc:AlternateContent>
 </p:sldLayout>
 </file>
 
@@ -1237,7 +1688,7 @@
           <a:p>
             <a:fld id="{9CF0EC4B-54ED-4041-B552-9BA760FA3DBA}" type="datetime1">
               <a:rPr lang="en-US" smtClean="0"/>
-              <a:t>2024-05-29</a:t>
+              <a:t>2024-06-05</a:t>
             </a:fld>
             <a:endParaRPr lang="en-US"/>
           </a:p>
@@ -1307,6 +1758,18 @@
   <p:clrMapOvr>
     <a:masterClrMapping/>
   </p:clrMapOvr>
+  <mc:AlternateContent xmlns:mc="http://schemas.openxmlformats.org/markup-compatibility/2006" xmlns:p159="http://schemas.microsoft.com/office/powerpoint/2015/09/main">
+    <mc:Choice Requires="p159">
+      <p:transition>
+        <p159:morph option="byObject"/>
+      </p:transition>
+    </mc:Choice>
+    <mc:Fallback xmlns="">
+      <p:transition>
+        <p:fade/>
+      </p:transition>
+    </mc:Fallback>
+  </mc:AlternateContent>
 </p:sldLayout>
 </file>
 
@@ -1435,7 +1898,7 @@
           <a:p>
             <a:fld id="{51C1210E-201E-4473-82AC-2466F5386C38}" type="datetime1">
               <a:rPr lang="en-US" smtClean="0"/>
-              <a:t>2024-05-29</a:t>
+              <a:t>2024-06-05</a:t>
             </a:fld>
             <a:endParaRPr lang="en-US"/>
           </a:p>
@@ -1505,6 +1968,18 @@
   <p:clrMapOvr>
     <a:masterClrMapping/>
   </p:clrMapOvr>
+  <mc:AlternateContent xmlns:mc="http://schemas.openxmlformats.org/markup-compatibility/2006" xmlns:p159="http://schemas.microsoft.com/office/powerpoint/2015/09/main">
+    <mc:Choice Requires="p159">
+      <p:transition>
+        <p159:morph option="byObject"/>
+      </p:transition>
+    </mc:Choice>
+    <mc:Fallback xmlns="">
+      <p:transition>
+        <p:fade/>
+      </p:transition>
+    </mc:Fallback>
+  </mc:AlternateContent>
 </p:sldLayout>
 </file>
 
@@ -1713,7 +2188,7 @@
           <a:p>
             <a:fld id="{B01EA198-6CAB-4B8F-B93F-1F9C8C4B6CE7}" type="datetime1">
               <a:rPr lang="en-US" smtClean="0"/>
-              <a:t>2024-05-29</a:t>
+              <a:t>2024-06-05</a:t>
             </a:fld>
             <a:endParaRPr lang="en-US"/>
           </a:p>
@@ -1783,6 +2258,18 @@
   <p:clrMapOvr>
     <a:masterClrMapping/>
   </p:clrMapOvr>
+  <mc:AlternateContent xmlns:mc="http://schemas.openxmlformats.org/markup-compatibility/2006" xmlns:p159="http://schemas.microsoft.com/office/powerpoint/2015/09/main">
+    <mc:Choice Requires="p159">
+      <p:transition>
+        <p159:morph option="byObject"/>
+      </p:transition>
+    </mc:Choice>
+    <mc:Fallback xmlns="">
+      <p:transition>
+        <p:fade/>
+      </p:transition>
+    </mc:Fallback>
+  </mc:AlternateContent>
 </p:sldLayout>
 </file>
 
@@ -1985,7 +2472,7 @@
           <a:p>
             <a:fld id="{CA06041F-4525-44D5-AA4F-332294BF1F56}" type="datetime1">
               <a:rPr lang="en-US" smtClean="0"/>
-              <a:t>2024-05-29</a:t>
+              <a:t>2024-06-05</a:t>
             </a:fld>
             <a:endParaRPr lang="en-US"/>
           </a:p>
@@ -2055,6 +2542,18 @@
   <p:clrMapOvr>
     <a:masterClrMapping/>
   </p:clrMapOvr>
+  <mc:AlternateContent xmlns:mc="http://schemas.openxmlformats.org/markup-compatibility/2006" xmlns:p159="http://schemas.microsoft.com/office/powerpoint/2015/09/main">
+    <mc:Choice Requires="p159">
+      <p:transition>
+        <p159:morph option="byObject"/>
+      </p:transition>
+    </mc:Choice>
+    <mc:Fallback xmlns="">
+      <p:transition>
+        <p:fade/>
+      </p:transition>
+    </mc:Fallback>
+  </mc:AlternateContent>
 </p:sldLayout>
 </file>
 
@@ -2409,7 +2908,7 @@
           <a:p>
             <a:fld id="{F9557091-BBDF-4EB9-BA6B-2BB67AC4FC0F}" type="datetime1">
               <a:rPr lang="en-US" smtClean="0"/>
-              <a:t>2024-05-29</a:t>
+              <a:t>2024-06-05</a:t>
             </a:fld>
             <a:endParaRPr lang="en-US"/>
           </a:p>
@@ -2479,6 +2978,18 @@
   <p:clrMapOvr>
     <a:masterClrMapping/>
   </p:clrMapOvr>
+  <mc:AlternateContent xmlns:mc="http://schemas.openxmlformats.org/markup-compatibility/2006" xmlns:p159="http://schemas.microsoft.com/office/powerpoint/2015/09/main">
+    <mc:Choice Requires="p159">
+      <p:transition>
+        <p159:morph option="byObject"/>
+      </p:transition>
+    </mc:Choice>
+    <mc:Fallback xmlns="">
+      <p:transition>
+        <p:fade/>
+      </p:transition>
+    </mc:Fallback>
+  </mc:AlternateContent>
 </p:sldLayout>
 </file>
 
@@ -2550,7 +3061,7 @@
           <a:p>
             <a:fld id="{2D6B226B-77A6-410C-9796-083F278E0125}" type="datetime1">
               <a:rPr lang="en-US" smtClean="0"/>
-              <a:t>2024-05-29</a:t>
+              <a:t>2024-06-05</a:t>
             </a:fld>
             <a:endParaRPr lang="en-US"/>
           </a:p>
@@ -2620,6 +3131,18 @@
   <p:clrMapOvr>
     <a:masterClrMapping/>
   </p:clrMapOvr>
+  <mc:AlternateContent xmlns:mc="http://schemas.openxmlformats.org/markup-compatibility/2006" xmlns:p159="http://schemas.microsoft.com/office/powerpoint/2015/09/main">
+    <mc:Choice Requires="p159">
+      <p:transition>
+        <p159:morph option="byObject"/>
+      </p:transition>
+    </mc:Choice>
+    <mc:Fallback xmlns="">
+      <p:transition>
+        <p:fade/>
+      </p:transition>
+    </mc:Fallback>
+  </mc:AlternateContent>
 </p:sldLayout>
 </file>
 
@@ -2663,7 +3186,7 @@
           <a:p>
             <a:fld id="{A23A578B-D289-4C40-8593-3D356C49DA58}" type="datetime1">
               <a:rPr lang="en-US" smtClean="0"/>
-              <a:t>2024-05-29</a:t>
+              <a:t>2024-06-05</a:t>
             </a:fld>
             <a:endParaRPr lang="en-US"/>
           </a:p>
@@ -2733,6 +3256,18 @@
   <p:clrMapOvr>
     <a:masterClrMapping/>
   </p:clrMapOvr>
+  <mc:AlternateContent xmlns:mc="http://schemas.openxmlformats.org/markup-compatibility/2006" xmlns:p159="http://schemas.microsoft.com/office/powerpoint/2015/09/main">
+    <mc:Choice Requires="p159">
+      <p:transition>
+        <p159:morph option="byObject"/>
+      </p:transition>
+    </mc:Choice>
+    <mc:Fallback xmlns="">
+      <p:transition>
+        <p:fade/>
+      </p:transition>
+    </mc:Fallback>
+  </mc:AlternateContent>
 </p:sldLayout>
 </file>
 
@@ -2982,7 +3517,7 @@
           <a:p>
             <a:fld id="{713DFAE3-14DB-48A7-A80F-80DDB072CE3D}" type="datetime1">
               <a:rPr lang="en-US" smtClean="0"/>
-              <a:t>2024-05-29</a:t>
+              <a:t>2024-06-05</a:t>
             </a:fld>
             <a:endParaRPr lang="en-US"/>
           </a:p>
@@ -3052,6 +3587,18 @@
   <p:clrMapOvr>
     <a:masterClrMapping/>
   </p:clrMapOvr>
+  <mc:AlternateContent xmlns:mc="http://schemas.openxmlformats.org/markup-compatibility/2006" xmlns:p159="http://schemas.microsoft.com/office/powerpoint/2015/09/main">
+    <mc:Choice Requires="p159">
+      <p:transition>
+        <p159:morph option="byObject"/>
+      </p:transition>
+    </mc:Choice>
+    <mc:Fallback xmlns="">
+      <p:transition>
+        <p:fade/>
+      </p:transition>
+    </mc:Fallback>
+  </mc:AlternateContent>
 </p:sldLayout>
 </file>
 
@@ -3276,7 +3823,7 @@
           <a:p>
             <a:fld id="{92C5EAEF-6478-4102-8F5D-A5FE9FC97ACB}" type="datetime1">
               <a:rPr lang="en-US" smtClean="0"/>
-              <a:t>2024-05-29</a:t>
+              <a:t>2024-06-05</a:t>
             </a:fld>
             <a:endParaRPr lang="en-US"/>
           </a:p>
@@ -3346,6 +3893,18 @@
   <p:clrMapOvr>
     <a:masterClrMapping/>
   </p:clrMapOvr>
+  <mc:AlternateContent xmlns:mc="http://schemas.openxmlformats.org/markup-compatibility/2006" xmlns:p159="http://schemas.microsoft.com/office/powerpoint/2015/09/main">
+    <mc:Choice Requires="p159">
+      <p:transition>
+        <p159:morph option="byObject"/>
+      </p:transition>
+    </mc:Choice>
+    <mc:Fallback xmlns="">
+      <p:transition>
+        <p:fade/>
+      </p:transition>
+    </mc:Fallback>
+  </mc:AlternateContent>
 </p:sldLayout>
 </file>
 
@@ -3517,7 +4076,7 @@
           <a:p>
             <a:fld id="{67F45AC6-C491-4585-A584-9CE2AF7D5500}" type="datetime1">
               <a:rPr lang="en-US" smtClean="0"/>
-              <a:t>2024-05-29</a:t>
+              <a:t>2024-06-05</a:t>
             </a:fld>
             <a:endParaRPr lang="en-US"/>
           </a:p>
@@ -3630,6 +4189,18 @@
     <p:sldLayoutId id="2147483737" r:id="rId10"/>
     <p:sldLayoutId id="2147483738" r:id="rId11"/>
   </p:sldLayoutIdLst>
+  <mc:AlternateContent xmlns:mc="http://schemas.openxmlformats.org/markup-compatibility/2006" xmlns:p159="http://schemas.microsoft.com/office/powerpoint/2015/09/main">
+    <mc:Choice Requires="p159">
+      <p:transition>
+        <p159:morph option="byObject"/>
+      </p:transition>
+    </mc:Choice>
+    <mc:Fallback xmlns="">
+      <p:transition>
+        <p:fade/>
+      </p:transition>
+    </mc:Fallback>
+  </mc:AlternateContent>
   <p:hf sldNum="0" hdr="0" ftr="0" dt="0"/>
   <p:txStyles>
     <p:titleStyle>
@@ -3939,145 +4510,6 @@
           <a:chExt cx="0" cy="0"/>
         </a:xfrm>
       </p:grpSpPr>
-      <p:sp useBgFill="1">
-        <p:nvSpPr>
-          <p:cNvPr id="26" name="Rectangle 28">
-            <a:extLst>
-              <a:ext uri="{FF2B5EF4-FFF2-40B4-BE49-F238E27FC236}">
-                <a16:creationId xmlns:a16="http://schemas.microsoft.com/office/drawing/2014/main" id="{7A875D55-4A80-43E9-38F6-27E3664939B0}"/>
-              </a:ext>
-              <a:ext uri="{C183D7F6-B498-43B3-948B-1728B52AA6E4}">
-                <adec:decorative xmlns:adec="http://schemas.microsoft.com/office/drawing/2017/decorative" val="1"/>
-              </a:ext>
-            </a:extLst>
-          </p:cNvPr>
-          <p:cNvSpPr>
-            <a:spLocks noGrp="1" noRot="1" noChangeAspect="1" noMove="1" noResize="1" noEditPoints="1" noAdjustHandles="1" noChangeArrowheads="1" noChangeShapeType="1" noTextEdit="1"/>
-          </p:cNvSpPr>
-          <p:nvPr>
-            <p:extLst>
-              <p:ext uri="{386F3935-93C4-4BCD-93E2-E3B085C9AB24}">
-                <p16:designElem xmlns:p16="http://schemas.microsoft.com/office/powerpoint/2015/main" val="1"/>
-              </p:ext>
-            </p:extLst>
-          </p:nvPr>
-        </p:nvSpPr>
-        <p:spPr>
-          <a:xfrm>
-            <a:off x="0" y="0"/>
-            <a:ext cx="12192000" cy="6858000"/>
-          </a:xfrm>
-          <a:prstGeom prst="rect">
-            <a:avLst/>
-          </a:prstGeom>
-          <a:ln w="12700" cap="flat" cmpd="sng" algn="ctr">
-            <a:noFill/>
-            <a:prstDash val="solid"/>
-            <a:miter lim="800000"/>
-          </a:ln>
-          <a:effectLst/>
-          <a:extLst>
-            <a:ext uri="{91240B29-F687-4F45-9708-019B960494DF}">
-              <a14:hiddenLine xmlns:a14="http://schemas.microsoft.com/office/drawing/2010/main" w="12700" cap="flat" cmpd="sng" algn="ctr">
-                <a:solidFill>
-                  <a:schemeClr val="accent1">
-                    <a:shade val="15000"/>
-                  </a:schemeClr>
-                </a:solidFill>
-                <a:prstDash val="solid"/>
-                <a:miter lim="800000"/>
-              </a14:hiddenLine>
-            </a:ext>
-          </a:extLst>
-        </p:spPr>
-        <p:style>
-          <a:lnRef idx="2">
-            <a:schemeClr val="accent1">
-              <a:shade val="15000"/>
-            </a:schemeClr>
-          </a:lnRef>
-          <a:fillRef idx="1">
-            <a:schemeClr val="accent1"/>
-          </a:fillRef>
-          <a:effectRef idx="0">
-            <a:schemeClr val="accent1"/>
-          </a:effectRef>
-          <a:fontRef idx="minor">
-            <a:schemeClr val="lt1"/>
-          </a:fontRef>
-        </p:style>
-        <p:txBody>
-          <a:bodyPr rtlCol="0" anchor="ctr"/>
-          <a:lstStyle/>
-          <a:p>
-            <a:pPr algn="ctr"/>
-            <a:endParaRPr lang="en-US"/>
-          </a:p>
-        </p:txBody>
-      </p:sp>
-      <p:sp useBgFill="1">
-        <p:nvSpPr>
-          <p:cNvPr id="27" name="Rectangle 30">
-            <a:extLst>
-              <a:ext uri="{FF2B5EF4-FFF2-40B4-BE49-F238E27FC236}">
-                <a16:creationId xmlns:a16="http://schemas.microsoft.com/office/drawing/2014/main" id="{3D572980-FB84-8C29-1FAC-FAC5ECE29A39}"/>
-              </a:ext>
-              <a:ext uri="{C183D7F6-B498-43B3-948B-1728B52AA6E4}">
-                <adec:decorative xmlns:adec="http://schemas.microsoft.com/office/drawing/2017/decorative" val="1"/>
-              </a:ext>
-            </a:extLst>
-          </p:cNvPr>
-          <p:cNvSpPr>
-            <a:spLocks noGrp="1" noRot="1" noChangeAspect="1" noMove="1" noResize="1" noEditPoints="1" noAdjustHandles="1" noChangeArrowheads="1" noChangeShapeType="1" noTextEdit="1"/>
-          </p:cNvSpPr>
-          <p:nvPr>
-            <p:extLst>
-              <p:ext uri="{386F3935-93C4-4BCD-93E2-E3B085C9AB24}">
-                <p16:designElem xmlns:p16="http://schemas.microsoft.com/office/powerpoint/2015/main" val="1"/>
-              </p:ext>
-            </p:extLst>
-          </p:nvPr>
-        </p:nvSpPr>
-        <p:spPr>
-          <a:xfrm>
-            <a:off x="0" y="0"/>
-            <a:ext cx="12192000" cy="6858000"/>
-          </a:xfrm>
-          <a:prstGeom prst="rect">
-            <a:avLst/>
-          </a:prstGeom>
-          <a:ln w="12700" cap="flat" cmpd="sng" algn="ctr">
-            <a:noFill/>
-            <a:prstDash val="solid"/>
-            <a:miter lim="800000"/>
-          </a:ln>
-          <a:effectLst/>
-        </p:spPr>
-        <p:style>
-          <a:lnRef idx="2">
-            <a:schemeClr val="accent1">
-              <a:shade val="50000"/>
-            </a:schemeClr>
-          </a:lnRef>
-          <a:fillRef idx="1">
-            <a:schemeClr val="accent1"/>
-          </a:fillRef>
-          <a:effectRef idx="0">
-            <a:schemeClr val="accent1"/>
-          </a:effectRef>
-          <a:fontRef idx="minor">
-            <a:schemeClr val="lt1"/>
-          </a:fontRef>
-        </p:style>
-        <p:txBody>
-          <a:bodyPr rtlCol="0" anchor="ctr"/>
-          <a:lstStyle/>
-          <a:p>
-            <a:pPr algn="ctr"/>
-            <a:endParaRPr lang="en-US"/>
-          </a:p>
-        </p:txBody>
-      </p:sp>
       <p:pic>
         <p:nvPicPr>
           <p:cNvPr id="4" name="Picture 3" descr="Topview mentazöld zöld munkaterület (laptop, kávé, jegyzetfüzet, toll, szemüveg és egér)">
@@ -4167,7 +4599,7 @@
         <p:spPr>
           <a:xfrm>
             <a:off x="2301923" y="3793937"/>
-            <a:ext cx="7588155" cy="1414091"/>
+            <a:ext cx="7588155" cy="1581461"/>
           </a:xfrm>
         </p:spPr>
         <p:txBody>
@@ -4198,6 +4630,21 @@
                 </a:solidFill>
               </a:rPr>
               <a:t>x0Adams</a:t>
+            </a:r>
+            <a:endParaRPr lang="en-US" sz="2200" dirty="0">
+              <a:solidFill>
+                <a:srgbClr val="FFFFFF"/>
+              </a:solidFill>
+            </a:endParaRPr>
+          </a:p>
+          <a:p>
+            <a:r>
+              <a:rPr lang="hu-HU" sz="2200" dirty="0">
+                <a:solidFill>
+                  <a:srgbClr val="FFFFFF"/>
+                </a:solidFill>
+              </a:rPr>
+              <a:t>Trinix025</a:t>
             </a:r>
           </a:p>
         </p:txBody>
@@ -4212,12 +4659,46 @@
   <p:clrMapOvr>
     <a:overrideClrMapping bg1="dk1" tx1="lt1" bg2="dk2" tx2="lt2" accent1="accent1" accent2="accent2" accent3="accent3" accent4="accent4" accent5="accent5" accent6="accent6" hlink="hlink" folHlink="folHlink"/>
   </p:clrMapOvr>
+  <mc:AlternateContent xmlns:mc="http://schemas.openxmlformats.org/markup-compatibility/2006" xmlns:p159="http://schemas.microsoft.com/office/powerpoint/2015/09/main">
+    <mc:Choice Requires="p159">
+      <p:transition>
+        <p159:morph option="byObject"/>
+      </p:transition>
+    </mc:Choice>
+    <mc:Fallback xmlns="">
+      <p:transition>
+        <p:fade/>
+      </p:transition>
+    </mc:Fallback>
+  </mc:AlternateContent>
 </p:sld>
 </file>
 
-<file path=ppt/slides/slide2.xml><?xml version="1.0" encoding="utf-8"?>
+<file path=ppt/slides/slide10.xml><?xml version="1.0" encoding="utf-8"?>
 <p:sld xmlns:a="http://schemas.openxmlformats.org/drawingml/2006/main" xmlns:r="http://schemas.openxmlformats.org/officeDocument/2006/relationships" xmlns:p="http://schemas.openxmlformats.org/presentationml/2006/main">
   <p:cSld>
+    <p:bg>
+      <p:bgPr>
+        <a:gradFill>
+          <a:gsLst>
+            <a:gs pos="100000">
+              <a:schemeClr val="tx2">
+                <a:lumMod val="75000"/>
+                <a:lumOff val="25000"/>
+              </a:schemeClr>
+            </a:gs>
+            <a:gs pos="0">
+              <a:schemeClr val="accent1">
+                <a:lumMod val="30000"/>
+                <a:lumOff val="70000"/>
+              </a:schemeClr>
+            </a:gs>
+          </a:gsLst>
+          <a:lin ang="5400000" scaled="1"/>
+        </a:gradFill>
+        <a:effectLst/>
+      </p:bgPr>
+    </p:bg>
     <p:spTree>
       <p:nvGrpSpPr>
         <p:cNvPr id="1" name=""/>
@@ -4232,12 +4713,388 @@
           <a:chExt cx="0" cy="0"/>
         </a:xfrm>
       </p:grpSpPr>
+      <p:pic>
+        <p:nvPicPr>
+          <p:cNvPr id="6" name="Kép 5">
+            <a:extLst>
+              <a:ext uri="{FF2B5EF4-FFF2-40B4-BE49-F238E27FC236}">
+                <a16:creationId xmlns:a16="http://schemas.microsoft.com/office/drawing/2014/main" id="{884E74F3-1431-AF8B-E8C7-5DEE0B43077F}"/>
+              </a:ext>
+            </a:extLst>
+          </p:cNvPr>
+          <p:cNvPicPr>
+            <a:picLocks noChangeAspect="1"/>
+          </p:cNvPicPr>
+          <p:nvPr/>
+        </p:nvPicPr>
+        <p:blipFill>
+          <a:blip r:embed="rId2"/>
+          <a:stretch>
+            <a:fillRect/>
+          </a:stretch>
+        </p:blipFill>
+        <p:spPr>
+          <a:xfrm>
+            <a:off x="833673" y="0"/>
+            <a:ext cx="10524653" cy="6858000"/>
+          </a:xfrm>
+          <a:prstGeom prst="rect">
+            <a:avLst/>
+          </a:prstGeom>
+        </p:spPr>
+      </p:pic>
+    </p:spTree>
+    <p:extLst>
+      <p:ext uri="{BB962C8B-B14F-4D97-AF65-F5344CB8AC3E}">
+        <p14:creationId xmlns:p14="http://schemas.microsoft.com/office/powerpoint/2010/main" val="1139930456"/>
+      </p:ext>
+    </p:extLst>
+  </p:cSld>
+  <p:clrMapOvr>
+    <a:masterClrMapping/>
+  </p:clrMapOvr>
+  <mc:AlternateContent xmlns:mc="http://schemas.openxmlformats.org/markup-compatibility/2006" xmlns:p159="http://schemas.microsoft.com/office/powerpoint/2015/09/main">
+    <mc:Choice Requires="p159">
+      <p:transition>
+        <p159:morph option="byObject"/>
+      </p:transition>
+    </mc:Choice>
+    <mc:Fallback xmlns="">
+      <p:transition>
+        <p:fade/>
+      </p:transition>
+    </mc:Fallback>
+  </mc:AlternateContent>
+</p:sld>
+</file>
+
+<file path=ppt/slides/slide11.xml><?xml version="1.0" encoding="utf-8"?>
+<p:sld xmlns:a="http://schemas.openxmlformats.org/drawingml/2006/main" xmlns:r="http://schemas.openxmlformats.org/officeDocument/2006/relationships" xmlns:p="http://schemas.openxmlformats.org/presentationml/2006/main">
+  <p:cSld>
+    <p:bg>
+      <p:bgPr>
+        <a:gradFill>
+          <a:gsLst>
+            <a:gs pos="100000">
+              <a:schemeClr val="tx2">
+                <a:lumMod val="75000"/>
+                <a:lumOff val="25000"/>
+              </a:schemeClr>
+            </a:gs>
+            <a:gs pos="0">
+              <a:schemeClr val="accent1">
+                <a:lumMod val="30000"/>
+                <a:lumOff val="70000"/>
+              </a:schemeClr>
+            </a:gs>
+          </a:gsLst>
+          <a:lin ang="5400000" scaled="1"/>
+        </a:gradFill>
+        <a:effectLst/>
+      </p:bgPr>
+    </p:bg>
+    <p:spTree>
+      <p:nvGrpSpPr>
+        <p:cNvPr id="1" name=""/>
+        <p:cNvGrpSpPr/>
+        <p:nvPr/>
+      </p:nvGrpSpPr>
+      <p:grpSpPr>
+        <a:xfrm>
+          <a:off x="0" y="0"/>
+          <a:ext cx="0" cy="0"/>
+          <a:chOff x="0" y="0"/>
+          <a:chExt cx="0" cy="0"/>
+        </a:xfrm>
+      </p:grpSpPr>
+      <p:pic>
+        <p:nvPicPr>
+          <p:cNvPr id="3" name="Kép 2">
+            <a:extLst>
+              <a:ext uri="{FF2B5EF4-FFF2-40B4-BE49-F238E27FC236}">
+                <a16:creationId xmlns:a16="http://schemas.microsoft.com/office/drawing/2014/main" id="{9EF6E671-35DB-4633-8D34-FBF26AC1FBB2}"/>
+              </a:ext>
+            </a:extLst>
+          </p:cNvPr>
+          <p:cNvPicPr>
+            <a:picLocks noChangeAspect="1"/>
+          </p:cNvPicPr>
+          <p:nvPr/>
+        </p:nvPicPr>
+        <p:blipFill>
+          <a:blip r:embed="rId2"/>
+          <a:stretch>
+            <a:fillRect/>
+          </a:stretch>
+        </p:blipFill>
+        <p:spPr>
+          <a:xfrm>
+            <a:off x="0" y="1169599"/>
+            <a:ext cx="12192000" cy="4518801"/>
+          </a:xfrm>
+          <a:prstGeom prst="rect">
+            <a:avLst/>
+          </a:prstGeom>
+        </p:spPr>
+      </p:pic>
+    </p:spTree>
+    <p:extLst>
+      <p:ext uri="{BB962C8B-B14F-4D97-AF65-F5344CB8AC3E}">
+        <p14:creationId xmlns:p14="http://schemas.microsoft.com/office/powerpoint/2010/main" val="1456168532"/>
+      </p:ext>
+    </p:extLst>
+  </p:cSld>
+  <p:clrMapOvr>
+    <a:masterClrMapping/>
+  </p:clrMapOvr>
+  <mc:AlternateContent xmlns:mc="http://schemas.openxmlformats.org/markup-compatibility/2006" xmlns:p159="http://schemas.microsoft.com/office/powerpoint/2015/09/main">
+    <mc:Choice Requires="p159">
+      <p:transition>
+        <p159:morph option="byObject"/>
+      </p:transition>
+    </mc:Choice>
+    <mc:Fallback xmlns="">
+      <p:transition>
+        <p:fade/>
+      </p:transition>
+    </mc:Fallback>
+  </mc:AlternateContent>
+</p:sld>
+</file>
+
+<file path=ppt/slides/slide12.xml><?xml version="1.0" encoding="utf-8"?>
+<p:sld xmlns:a="http://schemas.openxmlformats.org/drawingml/2006/main" xmlns:r="http://schemas.openxmlformats.org/officeDocument/2006/relationships" xmlns:p="http://schemas.openxmlformats.org/presentationml/2006/main">
+  <p:cSld>
+    <p:bg>
+      <p:bgPr>
+        <a:gradFill>
+          <a:gsLst>
+            <a:gs pos="100000">
+              <a:schemeClr val="tx2">
+                <a:lumMod val="75000"/>
+                <a:lumOff val="25000"/>
+              </a:schemeClr>
+            </a:gs>
+            <a:gs pos="0">
+              <a:schemeClr val="accent1">
+                <a:lumMod val="30000"/>
+                <a:lumOff val="70000"/>
+              </a:schemeClr>
+            </a:gs>
+          </a:gsLst>
+          <a:lin ang="5400000" scaled="1"/>
+        </a:gradFill>
+        <a:effectLst/>
+      </p:bgPr>
+    </p:bg>
+    <p:spTree>
+      <p:nvGrpSpPr>
+        <p:cNvPr id="1" name=""/>
+        <p:cNvGrpSpPr/>
+        <p:nvPr/>
+      </p:nvGrpSpPr>
+      <p:grpSpPr>
+        <a:xfrm>
+          <a:off x="0" y="0"/>
+          <a:ext cx="0" cy="0"/>
+          <a:chOff x="0" y="0"/>
+          <a:chExt cx="0" cy="0"/>
+        </a:xfrm>
+      </p:grpSpPr>
+      <p:pic>
+        <p:nvPicPr>
+          <p:cNvPr id="3" name="Kép 2">
+            <a:extLst>
+              <a:ext uri="{FF2B5EF4-FFF2-40B4-BE49-F238E27FC236}">
+                <a16:creationId xmlns:a16="http://schemas.microsoft.com/office/drawing/2014/main" id="{0442CD0D-6BD6-16C9-4A11-F0778ABCDAA4}"/>
+              </a:ext>
+            </a:extLst>
+          </p:cNvPr>
+          <p:cNvPicPr>
+            <a:picLocks noChangeAspect="1"/>
+          </p:cNvPicPr>
+          <p:nvPr/>
+        </p:nvPicPr>
+        <p:blipFill>
+          <a:blip r:embed="rId2"/>
+          <a:stretch>
+            <a:fillRect/>
+          </a:stretch>
+        </p:blipFill>
+        <p:spPr>
+          <a:xfrm>
+            <a:off x="281275" y="0"/>
+            <a:ext cx="11629450" cy="6858000"/>
+          </a:xfrm>
+          <a:prstGeom prst="rect">
+            <a:avLst/>
+          </a:prstGeom>
+        </p:spPr>
+      </p:pic>
+    </p:spTree>
+    <p:extLst>
+      <p:ext uri="{BB962C8B-B14F-4D97-AF65-F5344CB8AC3E}">
+        <p14:creationId xmlns:p14="http://schemas.microsoft.com/office/powerpoint/2010/main" val="201273528"/>
+      </p:ext>
+    </p:extLst>
+  </p:cSld>
+  <p:clrMapOvr>
+    <a:masterClrMapping/>
+  </p:clrMapOvr>
+  <mc:AlternateContent xmlns:mc="http://schemas.openxmlformats.org/markup-compatibility/2006" xmlns:p159="http://schemas.microsoft.com/office/powerpoint/2015/09/main">
+    <mc:Choice Requires="p159">
+      <p:transition>
+        <p159:morph option="byObject"/>
+      </p:transition>
+    </mc:Choice>
+    <mc:Fallback xmlns="">
+      <p:transition>
+        <p:fade/>
+      </p:transition>
+    </mc:Fallback>
+  </mc:AlternateContent>
+</p:sld>
+</file>
+
+<file path=ppt/slides/slide13.xml><?xml version="1.0" encoding="utf-8"?>
+<p:sld xmlns:a="http://schemas.openxmlformats.org/drawingml/2006/main" xmlns:r="http://schemas.openxmlformats.org/officeDocument/2006/relationships" xmlns:p="http://schemas.openxmlformats.org/presentationml/2006/main">
+  <p:cSld>
+    <p:bg>
+      <p:bgPr>
+        <a:gradFill>
+          <a:gsLst>
+            <a:gs pos="100000">
+              <a:schemeClr val="tx2">
+                <a:lumMod val="75000"/>
+                <a:lumOff val="25000"/>
+              </a:schemeClr>
+            </a:gs>
+            <a:gs pos="0">
+              <a:schemeClr val="accent1">
+                <a:lumMod val="30000"/>
+                <a:lumOff val="70000"/>
+              </a:schemeClr>
+            </a:gs>
+          </a:gsLst>
+          <a:lin ang="5400000" scaled="1"/>
+        </a:gradFill>
+        <a:effectLst/>
+      </p:bgPr>
+    </p:bg>
+    <p:spTree>
+      <p:nvGrpSpPr>
+        <p:cNvPr id="1" name=""/>
+        <p:cNvGrpSpPr/>
+        <p:nvPr/>
+      </p:nvGrpSpPr>
+      <p:grpSpPr>
+        <a:xfrm>
+          <a:off x="0" y="0"/>
+          <a:ext cx="0" cy="0"/>
+          <a:chOff x="0" y="0"/>
+          <a:chExt cx="0" cy="0"/>
+        </a:xfrm>
+      </p:grpSpPr>
+      <p:pic>
+        <p:nvPicPr>
+          <p:cNvPr id="3" name="Kép 2">
+            <a:extLst>
+              <a:ext uri="{FF2B5EF4-FFF2-40B4-BE49-F238E27FC236}">
+                <a16:creationId xmlns:a16="http://schemas.microsoft.com/office/drawing/2014/main" id="{CBD4AC77-FAEE-10E5-4A26-042D979B4E20}"/>
+              </a:ext>
+            </a:extLst>
+          </p:cNvPr>
+          <p:cNvPicPr>
+            <a:picLocks noChangeAspect="1"/>
+          </p:cNvPicPr>
+          <p:nvPr/>
+        </p:nvPicPr>
+        <p:blipFill>
+          <a:blip r:embed="rId2"/>
+          <a:stretch>
+            <a:fillRect/>
+          </a:stretch>
+        </p:blipFill>
+        <p:spPr>
+          <a:xfrm>
+            <a:off x="0" y="694646"/>
+            <a:ext cx="12192000" cy="5468707"/>
+          </a:xfrm>
+          <a:prstGeom prst="rect">
+            <a:avLst/>
+          </a:prstGeom>
+        </p:spPr>
+      </p:pic>
+    </p:spTree>
+    <p:extLst>
+      <p:ext uri="{BB962C8B-B14F-4D97-AF65-F5344CB8AC3E}">
+        <p14:creationId xmlns:p14="http://schemas.microsoft.com/office/powerpoint/2010/main" val="301578635"/>
+      </p:ext>
+    </p:extLst>
+  </p:cSld>
+  <p:clrMapOvr>
+    <a:masterClrMapping/>
+  </p:clrMapOvr>
+  <mc:AlternateContent xmlns:mc="http://schemas.openxmlformats.org/markup-compatibility/2006" xmlns:p159="http://schemas.microsoft.com/office/powerpoint/2015/09/main">
+    <mc:Choice Requires="p159">
+      <p:transition>
+        <p159:morph option="byObject"/>
+      </p:transition>
+    </mc:Choice>
+    <mc:Fallback xmlns="">
+      <p:transition>
+        <p:fade/>
+      </p:transition>
+    </mc:Fallback>
+  </mc:AlternateContent>
+</p:sld>
+</file>
+
+<file path=ppt/slides/slide14.xml><?xml version="1.0" encoding="utf-8"?>
+<p:sld xmlns:a="http://schemas.openxmlformats.org/drawingml/2006/main" xmlns:r="http://schemas.openxmlformats.org/officeDocument/2006/relationships" xmlns:p="http://schemas.openxmlformats.org/presentationml/2006/main">
+  <p:cSld>
+    <p:bg>
+      <p:bgPr>
+        <a:gradFill>
+          <a:gsLst>
+            <a:gs pos="100000">
+              <a:schemeClr val="tx2">
+                <a:lumMod val="75000"/>
+                <a:lumOff val="25000"/>
+              </a:schemeClr>
+            </a:gs>
+            <a:gs pos="0">
+              <a:schemeClr val="accent1">
+                <a:lumMod val="30000"/>
+                <a:lumOff val="70000"/>
+              </a:schemeClr>
+            </a:gs>
+          </a:gsLst>
+          <a:lin ang="5400000" scaled="1"/>
+        </a:gradFill>
+        <a:effectLst/>
+      </p:bgPr>
+    </p:bg>
+    <p:spTree>
+      <p:nvGrpSpPr>
+        <p:cNvPr id="1" name=""/>
+        <p:cNvGrpSpPr/>
+        <p:nvPr/>
+      </p:nvGrpSpPr>
+      <p:grpSpPr>
+        <a:xfrm>
+          <a:off x="0" y="0"/>
+          <a:ext cx="0" cy="0"/>
+          <a:chOff x="0" y="0"/>
+          <a:chExt cx="0" cy="0"/>
+        </a:xfrm>
+      </p:grpSpPr>
       <p:sp>
         <p:nvSpPr>
           <p:cNvPr id="2" name="Cím 1">
             <a:extLst>
               <a:ext uri="{FF2B5EF4-FFF2-40B4-BE49-F238E27FC236}">
-                <a16:creationId xmlns:a16="http://schemas.microsoft.com/office/drawing/2014/main" id="{FAF8AD86-C167-13AA-5D9B-EF5ED090A1F3}"/>
+                <a16:creationId xmlns:a16="http://schemas.microsoft.com/office/drawing/2014/main" id="{A5793F61-CC7A-FA2C-35E6-5127A22E6FF0}"/>
               </a:ext>
             </a:extLst>
           </p:cNvPr>
@@ -4250,38 +5107,887 @@
         </p:nvSpPr>
         <p:spPr/>
         <p:txBody>
-          <a:bodyPr/>
+          <a:bodyPr>
+            <a:normAutofit/>
+          </a:bodyPr>
           <a:lstStyle/>
           <a:p>
-            <a:endParaRPr lang="hu-HU"/>
-          </a:p>
-        </p:txBody>
-      </p:sp>
-      <p:sp>
-        <p:nvSpPr>
-          <p:cNvPr id="3" name="Tartalom helye 2">
-            <a:extLst>
-              <a:ext uri="{FF2B5EF4-FFF2-40B4-BE49-F238E27FC236}">
-                <a16:creationId xmlns:a16="http://schemas.microsoft.com/office/drawing/2014/main" id="{92C12D75-07D6-69A2-453F-C3D03F6A9B51}"/>
-              </a:ext>
-            </a:extLst>
-          </p:cNvPr>
-          <p:cNvSpPr>
-            <a:spLocks noGrp="1"/>
-          </p:cNvSpPr>
-          <p:nvPr>
-            <p:ph idx="1"/>
+            <a:pPr algn="ctr"/>
+            <a:r>
+              <a:rPr lang="en-US" sz="7200" dirty="0">
+                <a:effectLst>
+                  <a:outerShdw blurRad="38100" dist="38100" dir="2700000" algn="tl">
+                    <a:srgbClr val="000000">
+                      <a:alpha val="43137"/>
+                    </a:srgbClr>
+                  </a:outerShdw>
+                </a:effectLst>
+                <a:latin typeface="Calibri" panose="020F0502020204030204" pitchFamily="34" charset="0"/>
+                <a:ea typeface="Calibri" panose="020F0502020204030204" pitchFamily="34" charset="0"/>
+                <a:cs typeface="Calibri" panose="020F0502020204030204" pitchFamily="34" charset="0"/>
+              </a:rPr>
+              <a:t>A </a:t>
+            </a:r>
+            <a:r>
+              <a:rPr lang="en-US" sz="7200" dirty="0" err="1">
+                <a:effectLst>
+                  <a:outerShdw blurRad="38100" dist="38100" dir="2700000" algn="tl">
+                    <a:srgbClr val="000000">
+                      <a:alpha val="43137"/>
+                    </a:srgbClr>
+                  </a:outerShdw>
+                </a:effectLst>
+                <a:latin typeface="Calibri" panose="020F0502020204030204" pitchFamily="34" charset="0"/>
+                <a:ea typeface="Calibri" panose="020F0502020204030204" pitchFamily="34" charset="0"/>
+                <a:cs typeface="Calibri" panose="020F0502020204030204" pitchFamily="34" charset="0"/>
+              </a:rPr>
+              <a:t>teszt</a:t>
+            </a:r>
+            <a:r>
+              <a:rPr lang="en-US" sz="7200" dirty="0">
+                <a:effectLst>
+                  <a:outerShdw blurRad="38100" dist="38100" dir="2700000" algn="tl">
+                    <a:srgbClr val="000000">
+                      <a:alpha val="43137"/>
+                    </a:srgbClr>
+                  </a:outerShdw>
+                </a:effectLst>
+                <a:latin typeface="Calibri" panose="020F0502020204030204" pitchFamily="34" charset="0"/>
+                <a:ea typeface="Calibri" panose="020F0502020204030204" pitchFamily="34" charset="0"/>
+                <a:cs typeface="Calibri" panose="020F0502020204030204" pitchFamily="34" charset="0"/>
+              </a:rPr>
+              <a:t>:</a:t>
+            </a:r>
+            <a:endParaRPr lang="hu-HU" sz="7200" dirty="0">
+              <a:effectLst>
+                <a:outerShdw blurRad="38100" dist="38100" dir="2700000" algn="tl">
+                  <a:srgbClr val="000000">
+                    <a:alpha val="43137"/>
+                  </a:srgbClr>
+                </a:outerShdw>
+              </a:effectLst>
+              <a:latin typeface="Calibri" panose="020F0502020204030204" pitchFamily="34" charset="0"/>
+              <a:ea typeface="Calibri" panose="020F0502020204030204" pitchFamily="34" charset="0"/>
+              <a:cs typeface="Calibri" panose="020F0502020204030204" pitchFamily="34" charset="0"/>
+            </a:endParaRPr>
+          </a:p>
+        </p:txBody>
+      </p:sp>
+    </p:spTree>
+    <p:extLst>
+      <p:ext uri="{BB962C8B-B14F-4D97-AF65-F5344CB8AC3E}">
+        <p14:creationId xmlns:p14="http://schemas.microsoft.com/office/powerpoint/2010/main" val="3766490650"/>
+      </p:ext>
+    </p:extLst>
+  </p:cSld>
+  <p:clrMapOvr>
+    <a:masterClrMapping/>
+  </p:clrMapOvr>
+  <mc:AlternateContent xmlns:mc="http://schemas.openxmlformats.org/markup-compatibility/2006" xmlns:p159="http://schemas.microsoft.com/office/powerpoint/2015/09/main">
+    <mc:Choice Requires="p159">
+      <p:transition>
+        <p159:morph option="byObject"/>
+      </p:transition>
+    </mc:Choice>
+    <mc:Fallback xmlns="">
+      <p:transition>
+        <p:fade/>
+      </p:transition>
+    </mc:Fallback>
+  </mc:AlternateContent>
+</p:sld>
+</file>
+
+<file path=ppt/slides/slide15.xml><?xml version="1.0" encoding="utf-8"?>
+<p:sld xmlns:a="http://schemas.openxmlformats.org/drawingml/2006/main" xmlns:r="http://schemas.openxmlformats.org/officeDocument/2006/relationships" xmlns:p="http://schemas.openxmlformats.org/presentationml/2006/main">
+  <p:cSld>
+    <p:bg>
+      <p:bgPr>
+        <a:gradFill>
+          <a:gsLst>
+            <a:gs pos="100000">
+              <a:schemeClr val="tx2">
+                <a:lumMod val="75000"/>
+                <a:lumOff val="25000"/>
+              </a:schemeClr>
+            </a:gs>
+            <a:gs pos="0">
+              <a:schemeClr val="accent1">
+                <a:lumMod val="30000"/>
+                <a:lumOff val="70000"/>
+              </a:schemeClr>
+            </a:gs>
+          </a:gsLst>
+          <a:lin ang="5400000" scaled="1"/>
+        </a:gradFill>
+        <a:effectLst/>
+      </p:bgPr>
+    </p:bg>
+    <p:spTree>
+      <p:nvGrpSpPr>
+        <p:cNvPr id="1" name=""/>
+        <p:cNvGrpSpPr/>
+        <p:nvPr/>
+      </p:nvGrpSpPr>
+      <p:grpSpPr>
+        <a:xfrm>
+          <a:off x="0" y="0"/>
+          <a:ext cx="0" cy="0"/>
+          <a:chOff x="0" y="0"/>
+          <a:chExt cx="0" cy="0"/>
+        </a:xfrm>
+      </p:grpSpPr>
+      <p:pic>
+        <p:nvPicPr>
+          <p:cNvPr id="4" name="Kép 3">
+            <a:extLst>
+              <a:ext uri="{FF2B5EF4-FFF2-40B4-BE49-F238E27FC236}">
+                <a16:creationId xmlns:a16="http://schemas.microsoft.com/office/drawing/2014/main" id="{595CF5E0-CEC0-8C52-F556-128B45584E1F}"/>
+              </a:ext>
+            </a:extLst>
+          </p:cNvPr>
+          <p:cNvPicPr>
+            <a:picLocks noChangeAspect="1"/>
+          </p:cNvPicPr>
+          <p:nvPr/>
+        </p:nvPicPr>
+        <p:blipFill>
+          <a:blip r:embed="rId2"/>
+          <a:stretch>
+            <a:fillRect/>
+          </a:stretch>
+        </p:blipFill>
+        <p:spPr>
+          <a:xfrm>
+            <a:off x="381000" y="0"/>
+            <a:ext cx="11430000" cy="19217676"/>
+          </a:xfrm>
+          <a:prstGeom prst="rect">
+            <a:avLst/>
+          </a:prstGeom>
+        </p:spPr>
+      </p:pic>
+    </p:spTree>
+    <p:extLst>
+      <p:ext uri="{BB962C8B-B14F-4D97-AF65-F5344CB8AC3E}">
+        <p14:creationId xmlns:p14="http://schemas.microsoft.com/office/powerpoint/2010/main" val="288406671"/>
+      </p:ext>
+    </p:extLst>
+  </p:cSld>
+  <p:clrMapOvr>
+    <a:masterClrMapping/>
+  </p:clrMapOvr>
+  <mc:AlternateContent xmlns:mc="http://schemas.openxmlformats.org/markup-compatibility/2006" xmlns:p159="http://schemas.microsoft.com/office/powerpoint/2015/09/main">
+    <mc:Choice Requires="p159">
+      <p:transition>
+        <p159:morph option="byObject"/>
+      </p:transition>
+    </mc:Choice>
+    <mc:Fallback xmlns="">
+      <p:transition>
+        <p:fade/>
+      </p:transition>
+    </mc:Fallback>
+  </mc:AlternateContent>
+  <p:timing>
+    <p:tnLst>
+      <p:par>
+        <p:cTn id="1" dur="indefinite" restart="never" nodeType="tmRoot">
+          <p:childTnLst>
+            <p:seq concurrent="1" nextAc="seek">
+              <p:cTn id="2" dur="indefinite" nodeType="mainSeq">
+                <p:childTnLst>
+                  <p:par>
+                    <p:cTn id="3" fill="hold">
+                      <p:stCondLst>
+                        <p:cond delay="indefinite"/>
+                        <p:cond evt="onBegin" delay="0">
+                          <p:tn val="2"/>
+                        </p:cond>
+                      </p:stCondLst>
+                      <p:childTnLst>
+                        <p:par>
+                          <p:cTn id="4" fill="hold">
+                            <p:stCondLst>
+                              <p:cond delay="0"/>
+                            </p:stCondLst>
+                            <p:childTnLst>
+                              <p:par>
+                                <p:cTn id="5" presetID="64" presetClass="path" presetSubtype="0" accel="50000" decel="50000" fill="hold" nodeType="afterEffect">
+                                  <p:stCondLst>
+                                    <p:cond delay="0"/>
+                                  </p:stCondLst>
+                                  <p:childTnLst>
+                                    <p:animMotion origin="layout" path="M 0 2.59259E-6 L 0 -1.7838 " pathEditMode="relative" rAng="0" ptsTypes="AA">
+                                      <p:cBhvr>
+                                        <p:cTn id="6" dur="20000" fill="hold"/>
+                                        <p:tgtEl>
+                                          <p:spTgt spid="4"/>
+                                        </p:tgtEl>
+                                        <p:attrNameLst>
+                                          <p:attrName>ppt_x</p:attrName>
+                                          <p:attrName>ppt_y</p:attrName>
+                                        </p:attrNameLst>
+                                      </p:cBhvr>
+                                      <p:rCtr x="0" y="-89190"/>
+                                    </p:animMotion>
+                                  </p:childTnLst>
+                                </p:cTn>
+                              </p:par>
+                            </p:childTnLst>
+                          </p:cTn>
+                        </p:par>
+                      </p:childTnLst>
+                    </p:cTn>
+                  </p:par>
+                </p:childTnLst>
+              </p:cTn>
+              <p:prevCondLst>
+                <p:cond evt="onPrev" delay="0">
+                  <p:tgtEl>
+                    <p:sldTgt/>
+                  </p:tgtEl>
+                </p:cond>
+              </p:prevCondLst>
+              <p:nextCondLst>
+                <p:cond evt="onNext" delay="0">
+                  <p:tgtEl>
+                    <p:sldTgt/>
+                  </p:tgtEl>
+                </p:cond>
+              </p:nextCondLst>
+            </p:seq>
+          </p:childTnLst>
+        </p:cTn>
+      </p:par>
+    </p:tnLst>
+  </p:timing>
+</p:sld>
+</file>
+
+<file path=ppt/slides/slide16.xml><?xml version="1.0" encoding="utf-8"?>
+<p:sld xmlns:a="http://schemas.openxmlformats.org/drawingml/2006/main" xmlns:r="http://schemas.openxmlformats.org/officeDocument/2006/relationships" xmlns:p="http://schemas.openxmlformats.org/presentationml/2006/main">
+  <p:cSld>
+    <p:bg>
+      <p:bgPr>
+        <a:gradFill>
+          <a:gsLst>
+            <a:gs pos="100000">
+              <a:schemeClr val="tx2">
+                <a:lumMod val="75000"/>
+                <a:lumOff val="25000"/>
+              </a:schemeClr>
+            </a:gs>
+            <a:gs pos="0">
+              <a:schemeClr val="accent1">
+                <a:lumMod val="30000"/>
+                <a:lumOff val="70000"/>
+              </a:schemeClr>
+            </a:gs>
+          </a:gsLst>
+          <a:lin ang="5400000" scaled="1"/>
+        </a:gradFill>
+        <a:effectLst/>
+      </p:bgPr>
+    </p:bg>
+    <p:spTree>
+      <p:nvGrpSpPr>
+        <p:cNvPr id="1" name=""/>
+        <p:cNvGrpSpPr/>
+        <p:nvPr/>
+      </p:nvGrpSpPr>
+      <p:grpSpPr>
+        <a:xfrm>
+          <a:off x="0" y="0"/>
+          <a:ext cx="0" cy="0"/>
+          <a:chOff x="0" y="0"/>
+          <a:chExt cx="0" cy="0"/>
+        </a:xfrm>
+      </p:grpSpPr>
+      <p:pic>
+        <p:nvPicPr>
+          <p:cNvPr id="1026" name="Picture 2">
+            <a:extLst>
+              <a:ext uri="{FF2B5EF4-FFF2-40B4-BE49-F238E27FC236}">
+                <a16:creationId xmlns:a16="http://schemas.microsoft.com/office/drawing/2014/main" id="{73AC56C9-598E-5555-A069-E16B14C21E44}"/>
+              </a:ext>
+            </a:extLst>
+          </p:cNvPr>
+          <p:cNvPicPr>
+            <a:picLocks noChangeAspect="1" noChangeArrowheads="1"/>
+          </p:cNvPicPr>
+          <p:nvPr/>
+        </p:nvPicPr>
+        <p:blipFill>
+          <a:blip r:embed="rId2">
+            <a:extLst>
+              <a:ext uri="{28A0092B-C50C-407E-A947-70E740481C1C}">
+                <a14:useLocalDpi xmlns:a14="http://schemas.microsoft.com/office/drawing/2010/main" val="0"/>
+              </a:ext>
+            </a:extLst>
+          </a:blip>
+          <a:srcRect/>
+          <a:stretch>
+            <a:fillRect/>
+          </a:stretch>
+        </p:blipFill>
+        <p:spPr bwMode="auto">
+          <a:xfrm>
+            <a:off x="0" y="152400"/>
+            <a:ext cx="12192000" cy="6553200"/>
+          </a:xfrm>
+          <a:prstGeom prst="rect">
+            <a:avLst/>
+          </a:prstGeom>
+          <a:noFill/>
+          <a:extLst>
+            <a:ext uri="{909E8E84-426E-40DD-AFC4-6F175D3DCCD1}">
+              <a14:hiddenFill xmlns:a14="http://schemas.microsoft.com/office/drawing/2010/main">
+                <a:solidFill>
+                  <a:srgbClr val="FFFFFF"/>
+                </a:solidFill>
+              </a14:hiddenFill>
+            </a:ext>
+          </a:extLst>
+        </p:spPr>
+      </p:pic>
+    </p:spTree>
+    <p:extLst>
+      <p:ext uri="{BB962C8B-B14F-4D97-AF65-F5344CB8AC3E}">
+        <p14:creationId xmlns:p14="http://schemas.microsoft.com/office/powerpoint/2010/main" val="2283692875"/>
+      </p:ext>
+    </p:extLst>
+  </p:cSld>
+  <p:clrMapOvr>
+    <a:masterClrMapping/>
+  </p:clrMapOvr>
+  <mc:AlternateContent xmlns:mc="http://schemas.openxmlformats.org/markup-compatibility/2006" xmlns:p159="http://schemas.microsoft.com/office/powerpoint/2015/09/main">
+    <mc:Choice Requires="p159">
+      <p:transition>
+        <p159:morph option="byObject"/>
+      </p:transition>
+    </mc:Choice>
+    <mc:Fallback xmlns="">
+      <p:transition>
+        <p:fade/>
+      </p:transition>
+    </mc:Fallback>
+  </mc:AlternateContent>
+</p:sld>
+</file>
+
+<file path=ppt/slides/slide17.xml><?xml version="1.0" encoding="utf-8"?>
+<p:sld xmlns:a="http://schemas.openxmlformats.org/drawingml/2006/main" xmlns:r="http://schemas.openxmlformats.org/officeDocument/2006/relationships" xmlns:p="http://schemas.openxmlformats.org/presentationml/2006/main">
+  <p:cSld>
+    <p:bg>
+      <p:bgPr>
+        <a:gradFill>
+          <a:gsLst>
+            <a:gs pos="100000">
+              <a:schemeClr val="tx2">
+                <a:lumMod val="75000"/>
+                <a:lumOff val="25000"/>
+              </a:schemeClr>
+            </a:gs>
+            <a:gs pos="0">
+              <a:schemeClr val="accent1">
+                <a:lumMod val="30000"/>
+                <a:lumOff val="70000"/>
+              </a:schemeClr>
+            </a:gs>
+          </a:gsLst>
+          <a:lin ang="5400000" scaled="1"/>
+        </a:gradFill>
+        <a:effectLst/>
+      </p:bgPr>
+    </p:bg>
+    <p:spTree>
+      <p:nvGrpSpPr>
+        <p:cNvPr id="1" name=""/>
+        <p:cNvGrpSpPr/>
+        <p:nvPr/>
+      </p:nvGrpSpPr>
+      <p:grpSpPr>
+        <a:xfrm>
+          <a:off x="0" y="0"/>
+          <a:ext cx="0" cy="0"/>
+          <a:chOff x="0" y="0"/>
+          <a:chExt cx="0" cy="0"/>
+        </a:xfrm>
+      </p:grpSpPr>
+      <p:sp>
+        <p:nvSpPr>
+          <p:cNvPr id="2" name="Cím 1">
+            <a:extLst>
+              <a:ext uri="{FF2B5EF4-FFF2-40B4-BE49-F238E27FC236}">
+                <a16:creationId xmlns:a16="http://schemas.microsoft.com/office/drawing/2014/main" id="{FD1F87ED-7822-71A2-6060-B54ADF1D5CC6}"/>
+              </a:ext>
+            </a:extLst>
+          </p:cNvPr>
+          <p:cNvSpPr>
+            <a:spLocks noGrp="1"/>
+          </p:cNvSpPr>
+          <p:nvPr>
+            <p:ph type="title"/>
           </p:nvPr>
         </p:nvSpPr>
         <p:spPr/>
         <p:txBody>
-          <a:bodyPr/>
+          <a:bodyPr>
+            <a:normAutofit fontScale="90000"/>
+          </a:bodyPr>
           <a:lstStyle/>
           <a:p>
-            <a:endParaRPr lang="hu-HU"/>
-          </a:p>
-        </p:txBody>
-      </p:sp>
+            <a:pPr algn="ctr"/>
+            <a:r>
+              <a:rPr lang="en-US" sz="8000" dirty="0" err="1">
+                <a:latin typeface="Calibri" panose="020F0502020204030204" pitchFamily="34" charset="0"/>
+                <a:ea typeface="Calibri" panose="020F0502020204030204" pitchFamily="34" charset="0"/>
+                <a:cs typeface="Calibri" panose="020F0502020204030204" pitchFamily="34" charset="0"/>
+              </a:rPr>
+              <a:t>Github</a:t>
+            </a:r>
+            <a:r>
+              <a:rPr lang="en-US" sz="8000" dirty="0">
+                <a:latin typeface="Calibri" panose="020F0502020204030204" pitchFamily="34" charset="0"/>
+                <a:ea typeface="Calibri" panose="020F0502020204030204" pitchFamily="34" charset="0"/>
+                <a:cs typeface="Calibri" panose="020F0502020204030204" pitchFamily="34" charset="0"/>
+              </a:rPr>
+              <a:t>:</a:t>
+            </a:r>
+            <a:endParaRPr lang="hu-HU" sz="8000" dirty="0">
+              <a:latin typeface="Calibri" panose="020F0502020204030204" pitchFamily="34" charset="0"/>
+              <a:ea typeface="Calibri" panose="020F0502020204030204" pitchFamily="34" charset="0"/>
+              <a:cs typeface="Calibri" panose="020F0502020204030204" pitchFamily="34" charset="0"/>
+            </a:endParaRPr>
+          </a:p>
+        </p:txBody>
+      </p:sp>
+    </p:spTree>
+    <p:extLst>
+      <p:ext uri="{BB962C8B-B14F-4D97-AF65-F5344CB8AC3E}">
+        <p14:creationId xmlns:p14="http://schemas.microsoft.com/office/powerpoint/2010/main" val="1372681787"/>
+      </p:ext>
+    </p:extLst>
+  </p:cSld>
+  <p:clrMapOvr>
+    <a:masterClrMapping/>
+  </p:clrMapOvr>
+  <mc:AlternateContent xmlns:mc="http://schemas.openxmlformats.org/markup-compatibility/2006" xmlns:p159="http://schemas.microsoft.com/office/powerpoint/2015/09/main">
+    <mc:Choice Requires="p159">
+      <p:transition>
+        <p159:morph option="byObject"/>
+      </p:transition>
+    </mc:Choice>
+    <mc:Fallback xmlns="">
+      <p:transition>
+        <p:fade/>
+      </p:transition>
+    </mc:Fallback>
+  </mc:AlternateContent>
+</p:sld>
+</file>
+
+<file path=ppt/slides/slide18.xml><?xml version="1.0" encoding="utf-8"?>
+<p:sld xmlns:a="http://schemas.openxmlformats.org/drawingml/2006/main" xmlns:r="http://schemas.openxmlformats.org/officeDocument/2006/relationships" xmlns:p="http://schemas.openxmlformats.org/presentationml/2006/main">
+  <p:cSld>
+    <p:bg>
+      <p:bgPr>
+        <a:gradFill>
+          <a:gsLst>
+            <a:gs pos="100000">
+              <a:schemeClr val="tx2">
+                <a:lumMod val="75000"/>
+                <a:lumOff val="25000"/>
+              </a:schemeClr>
+            </a:gs>
+            <a:gs pos="0">
+              <a:schemeClr val="accent1">
+                <a:lumMod val="30000"/>
+                <a:lumOff val="70000"/>
+              </a:schemeClr>
+            </a:gs>
+          </a:gsLst>
+          <a:lin ang="5400000" scaled="1"/>
+        </a:gradFill>
+        <a:effectLst/>
+      </p:bgPr>
+    </p:bg>
+    <p:spTree>
+      <p:nvGrpSpPr>
+        <p:cNvPr id="1" name=""/>
+        <p:cNvGrpSpPr/>
+        <p:nvPr/>
+      </p:nvGrpSpPr>
+      <p:grpSpPr>
+        <a:xfrm>
+          <a:off x="0" y="0"/>
+          <a:ext cx="0" cy="0"/>
+          <a:chOff x="0" y="0"/>
+          <a:chExt cx="0" cy="0"/>
+        </a:xfrm>
+      </p:grpSpPr>
+      <p:pic>
+        <p:nvPicPr>
+          <p:cNvPr id="6" name="Kép 5">
+            <a:extLst>
+              <a:ext uri="{FF2B5EF4-FFF2-40B4-BE49-F238E27FC236}">
+                <a16:creationId xmlns:a16="http://schemas.microsoft.com/office/drawing/2014/main" id="{DB4180A6-A08A-3BB6-8107-8C99DB3A2C93}"/>
+              </a:ext>
+            </a:extLst>
+          </p:cNvPr>
+          <p:cNvPicPr>
+            <a:picLocks noChangeAspect="1"/>
+          </p:cNvPicPr>
+          <p:nvPr/>
+        </p:nvPicPr>
+        <p:blipFill>
+          <a:blip r:embed="rId2"/>
+          <a:stretch>
+            <a:fillRect/>
+          </a:stretch>
+        </p:blipFill>
+        <p:spPr>
+          <a:xfrm>
+            <a:off x="4167187" y="0"/>
+            <a:ext cx="3857625" cy="6858000"/>
+          </a:xfrm>
+          <a:prstGeom prst="rect">
+            <a:avLst/>
+          </a:prstGeom>
+        </p:spPr>
+      </p:pic>
+    </p:spTree>
+    <p:extLst>
+      <p:ext uri="{BB962C8B-B14F-4D97-AF65-F5344CB8AC3E}">
+        <p14:creationId xmlns:p14="http://schemas.microsoft.com/office/powerpoint/2010/main" val="32372872"/>
+      </p:ext>
+    </p:extLst>
+  </p:cSld>
+  <p:clrMapOvr>
+    <a:masterClrMapping/>
+  </p:clrMapOvr>
+  <mc:AlternateContent xmlns:mc="http://schemas.openxmlformats.org/markup-compatibility/2006">
+    <mc:Choice xmlns:p159="http://schemas.microsoft.com/office/powerpoint/2015/09/main" Requires="p159">
+      <p:transition>
+        <p159:morph option="byObject"/>
+      </p:transition>
+    </mc:Choice>
+    <mc:Fallback>
+      <p:transition>
+        <p:fade/>
+      </p:transition>
+    </mc:Fallback>
+  </mc:AlternateContent>
+</p:sld>
+</file>
+
+<file path=ppt/slides/slide19.xml><?xml version="1.0" encoding="utf-8"?>
+<p:sld xmlns:a="http://schemas.openxmlformats.org/drawingml/2006/main" xmlns:r="http://schemas.openxmlformats.org/officeDocument/2006/relationships" xmlns:p="http://schemas.openxmlformats.org/presentationml/2006/main">
+  <p:cSld>
+    <p:bg>
+      <p:bgPr>
+        <a:gradFill>
+          <a:gsLst>
+            <a:gs pos="100000">
+              <a:schemeClr val="tx2">
+                <a:lumMod val="75000"/>
+                <a:lumOff val="25000"/>
+              </a:schemeClr>
+            </a:gs>
+            <a:gs pos="0">
+              <a:schemeClr val="accent1">
+                <a:lumMod val="30000"/>
+                <a:lumOff val="70000"/>
+              </a:schemeClr>
+            </a:gs>
+          </a:gsLst>
+          <a:lin ang="5400000" scaled="1"/>
+        </a:gradFill>
+        <a:effectLst/>
+      </p:bgPr>
+    </p:bg>
+    <p:spTree>
+      <p:nvGrpSpPr>
+        <p:cNvPr id="1" name=""/>
+        <p:cNvGrpSpPr/>
+        <p:nvPr/>
+      </p:nvGrpSpPr>
+      <p:grpSpPr>
+        <a:xfrm>
+          <a:off x="0" y="0"/>
+          <a:ext cx="0" cy="0"/>
+          <a:chOff x="0" y="0"/>
+          <a:chExt cx="0" cy="0"/>
+        </a:xfrm>
+      </p:grpSpPr>
+      <p:sp>
+        <p:nvSpPr>
+          <p:cNvPr id="2" name="Cím 1">
+            <a:extLst>
+              <a:ext uri="{FF2B5EF4-FFF2-40B4-BE49-F238E27FC236}">
+                <a16:creationId xmlns:a16="http://schemas.microsoft.com/office/drawing/2014/main" id="{FD1F87ED-7822-71A2-6060-B54ADF1D5CC6}"/>
+              </a:ext>
+            </a:extLst>
+          </p:cNvPr>
+          <p:cNvSpPr>
+            <a:spLocks noGrp="1"/>
+          </p:cNvSpPr>
+          <p:nvPr>
+            <p:ph type="title"/>
+          </p:nvPr>
+        </p:nvSpPr>
+        <p:spPr/>
+        <p:txBody>
+          <a:bodyPr>
+            <a:normAutofit fontScale="90000"/>
+          </a:bodyPr>
+          <a:lstStyle/>
+          <a:p>
+            <a:pPr algn="ctr"/>
+            <a:r>
+              <a:rPr lang="hu-HU" sz="8000" dirty="0">
+                <a:latin typeface="Calibri" panose="020F0502020204030204" pitchFamily="34" charset="0"/>
+                <a:ea typeface="Calibri" panose="020F0502020204030204" pitchFamily="34" charset="0"/>
+                <a:cs typeface="Calibri" panose="020F0502020204030204" pitchFamily="34" charset="0"/>
+              </a:rPr>
+              <a:t>Köszönjük a figyelmet!</a:t>
+            </a:r>
+            <a:br>
+              <a:rPr lang="hu-HU" sz="8000" dirty="0">
+                <a:latin typeface="Calibri" panose="020F0502020204030204" pitchFamily="34" charset="0"/>
+                <a:ea typeface="Calibri" panose="020F0502020204030204" pitchFamily="34" charset="0"/>
+                <a:cs typeface="Calibri" panose="020F0502020204030204" pitchFamily="34" charset="0"/>
+              </a:rPr>
+            </a:br>
+            <a:r>
+              <a:rPr lang="hu-HU" sz="8000">
+                <a:latin typeface="Calibri" panose="020F0502020204030204" pitchFamily="34" charset="0"/>
+                <a:ea typeface="Calibri" panose="020F0502020204030204" pitchFamily="34" charset="0"/>
+                <a:cs typeface="Calibri" panose="020F0502020204030204" pitchFamily="34" charset="0"/>
+              </a:rPr>
+              <a:t>Viszontlátásra!</a:t>
+            </a:r>
+            <a:endParaRPr lang="hu-HU" sz="8000" dirty="0">
+              <a:latin typeface="Calibri" panose="020F0502020204030204" pitchFamily="34" charset="0"/>
+              <a:ea typeface="Calibri" panose="020F0502020204030204" pitchFamily="34" charset="0"/>
+              <a:cs typeface="Calibri" panose="020F0502020204030204" pitchFamily="34" charset="0"/>
+            </a:endParaRPr>
+          </a:p>
+        </p:txBody>
+      </p:sp>
+    </p:spTree>
+    <p:extLst>
+      <p:ext uri="{BB962C8B-B14F-4D97-AF65-F5344CB8AC3E}">
+        <p14:creationId xmlns:p14="http://schemas.microsoft.com/office/powerpoint/2010/main" val="3423334723"/>
+      </p:ext>
+    </p:extLst>
+  </p:cSld>
+  <p:clrMapOvr>
+    <a:masterClrMapping/>
+  </p:clrMapOvr>
+  <mc:AlternateContent xmlns:mc="http://schemas.openxmlformats.org/markup-compatibility/2006">
+    <mc:Choice xmlns:p159="http://schemas.microsoft.com/office/powerpoint/2015/09/main" Requires="p159">
+      <p:transition>
+        <p159:morph option="byObject"/>
+      </p:transition>
+    </mc:Choice>
+    <mc:Fallback>
+      <p:transition>
+        <p:fade/>
+      </p:transition>
+    </mc:Fallback>
+  </mc:AlternateContent>
+</p:sld>
+</file>
+
+<file path=ppt/slides/slide2.xml><?xml version="1.0" encoding="utf-8"?>
+<p:sld xmlns:a="http://schemas.openxmlformats.org/drawingml/2006/main" xmlns:r="http://schemas.openxmlformats.org/officeDocument/2006/relationships" xmlns:p="http://schemas.openxmlformats.org/presentationml/2006/main">
+  <p:cSld>
+    <p:bg>
+      <p:bgPr>
+        <a:gradFill>
+          <a:gsLst>
+            <a:gs pos="100000">
+              <a:schemeClr val="tx2">
+                <a:lumMod val="75000"/>
+                <a:lumOff val="25000"/>
+              </a:schemeClr>
+            </a:gs>
+            <a:gs pos="0">
+              <a:schemeClr val="accent1">
+                <a:lumMod val="30000"/>
+                <a:lumOff val="70000"/>
+              </a:schemeClr>
+            </a:gs>
+          </a:gsLst>
+          <a:lin ang="5400000" scaled="1"/>
+        </a:gradFill>
+        <a:effectLst/>
+      </p:bgPr>
+    </p:bg>
+    <p:spTree>
+      <p:nvGrpSpPr>
+        <p:cNvPr id="1" name=""/>
+        <p:cNvGrpSpPr/>
+        <p:nvPr/>
+      </p:nvGrpSpPr>
+      <p:grpSpPr>
+        <a:xfrm>
+          <a:off x="0" y="0"/>
+          <a:ext cx="0" cy="0"/>
+          <a:chOff x="0" y="0"/>
+          <a:chExt cx="0" cy="0"/>
+        </a:xfrm>
+      </p:grpSpPr>
+      <p:sp>
+        <p:nvSpPr>
+          <p:cNvPr id="2" name="Cím 1">
+            <a:extLst>
+              <a:ext uri="{FF2B5EF4-FFF2-40B4-BE49-F238E27FC236}">
+                <a16:creationId xmlns:a16="http://schemas.microsoft.com/office/drawing/2014/main" id="{BEC3BA04-8DAD-4C29-F0AE-D3F1D7EF3F5A}"/>
+              </a:ext>
+            </a:extLst>
+          </p:cNvPr>
+          <p:cNvSpPr>
+            <a:spLocks noGrp="1"/>
+          </p:cNvSpPr>
+          <p:nvPr>
+            <p:ph type="title"/>
+          </p:nvPr>
+        </p:nvSpPr>
+        <p:spPr/>
+        <p:txBody>
+          <a:bodyPr>
+            <a:normAutofit/>
+          </a:bodyPr>
+          <a:lstStyle/>
+          <a:p>
+            <a:pPr algn="ctr"/>
+            <a:r>
+              <a:rPr lang="en-US" sz="7200" dirty="0">
+                <a:effectLst>
+                  <a:outerShdw blurRad="38100" dist="38100" dir="2700000" algn="tl">
+                    <a:srgbClr val="000000">
+                      <a:alpha val="43137"/>
+                    </a:srgbClr>
+                  </a:outerShdw>
+                </a:effectLst>
+                <a:latin typeface="Calibri" panose="020F0502020204030204" pitchFamily="34" charset="0"/>
+                <a:ea typeface="Calibri" panose="020F0502020204030204" pitchFamily="34" charset="0"/>
+                <a:cs typeface="Calibri" panose="020F0502020204030204" pitchFamily="34" charset="0"/>
+              </a:rPr>
+              <a:t>A program:</a:t>
+            </a:r>
+            <a:endParaRPr lang="hu-HU" sz="7200" dirty="0">
+              <a:effectLst>
+                <a:outerShdw blurRad="38100" dist="38100" dir="2700000" algn="tl">
+                  <a:srgbClr val="000000">
+                    <a:alpha val="43137"/>
+                  </a:srgbClr>
+                </a:outerShdw>
+              </a:effectLst>
+              <a:latin typeface="Calibri" panose="020F0502020204030204" pitchFamily="34" charset="0"/>
+              <a:ea typeface="Calibri" panose="020F0502020204030204" pitchFamily="34" charset="0"/>
+              <a:cs typeface="Calibri" panose="020F0502020204030204" pitchFamily="34" charset="0"/>
+            </a:endParaRPr>
+          </a:p>
+        </p:txBody>
+      </p:sp>
+    </p:spTree>
+    <p:extLst>
+      <p:ext uri="{BB962C8B-B14F-4D97-AF65-F5344CB8AC3E}">
+        <p14:creationId xmlns:p14="http://schemas.microsoft.com/office/powerpoint/2010/main" val="3257005008"/>
+      </p:ext>
+    </p:extLst>
+  </p:cSld>
+  <p:clrMapOvr>
+    <a:masterClrMapping/>
+  </p:clrMapOvr>
+  <mc:AlternateContent xmlns:mc="http://schemas.openxmlformats.org/markup-compatibility/2006" xmlns:p159="http://schemas.microsoft.com/office/powerpoint/2015/09/main">
+    <mc:Choice Requires="p159">
+      <p:transition>
+        <p159:morph option="byObject"/>
+      </p:transition>
+    </mc:Choice>
+    <mc:Fallback xmlns="">
+      <p:transition>
+        <p:fade/>
+      </p:transition>
+    </mc:Fallback>
+  </mc:AlternateContent>
+</p:sld>
+</file>
+
+<file path=ppt/slides/slide3.xml><?xml version="1.0" encoding="utf-8"?>
+<p:sld xmlns:a="http://schemas.openxmlformats.org/drawingml/2006/main" xmlns:r="http://schemas.openxmlformats.org/officeDocument/2006/relationships" xmlns:p="http://schemas.openxmlformats.org/presentationml/2006/main">
+  <p:cSld>
+    <p:bg>
+      <p:bgPr>
+        <a:gradFill>
+          <a:gsLst>
+            <a:gs pos="100000">
+              <a:schemeClr val="tx2">
+                <a:lumMod val="75000"/>
+                <a:lumOff val="25000"/>
+              </a:schemeClr>
+            </a:gs>
+            <a:gs pos="0">
+              <a:schemeClr val="accent1">
+                <a:lumMod val="30000"/>
+                <a:lumOff val="70000"/>
+              </a:schemeClr>
+            </a:gs>
+          </a:gsLst>
+          <a:lin ang="5400000" scaled="1"/>
+        </a:gradFill>
+        <a:effectLst/>
+      </p:bgPr>
+    </p:bg>
+    <p:spTree>
+      <p:nvGrpSpPr>
+        <p:cNvPr id="1" name=""/>
+        <p:cNvGrpSpPr/>
+        <p:nvPr/>
+      </p:nvGrpSpPr>
+      <p:grpSpPr>
+        <a:xfrm>
+          <a:off x="0" y="0"/>
+          <a:ext cx="0" cy="0"/>
+          <a:chOff x="0" y="0"/>
+          <a:chExt cx="0" cy="0"/>
+        </a:xfrm>
+      </p:grpSpPr>
+      <p:pic>
+        <p:nvPicPr>
+          <p:cNvPr id="11" name="Kép 10">
+            <a:extLst>
+              <a:ext uri="{FF2B5EF4-FFF2-40B4-BE49-F238E27FC236}">
+                <a16:creationId xmlns:a16="http://schemas.microsoft.com/office/drawing/2014/main" id="{2257A91B-F991-5212-03CE-89C0A457EA41}"/>
+              </a:ext>
+            </a:extLst>
+          </p:cNvPr>
+          <p:cNvPicPr>
+            <a:picLocks noChangeAspect="1"/>
+          </p:cNvPicPr>
+          <p:nvPr/>
+        </p:nvPicPr>
+        <p:blipFill>
+          <a:blip r:embed="rId2"/>
+          <a:stretch>
+            <a:fillRect/>
+          </a:stretch>
+        </p:blipFill>
+        <p:spPr>
+          <a:xfrm>
+            <a:off x="1223210" y="0"/>
+            <a:ext cx="9745579" cy="6858000"/>
+          </a:xfrm>
+          <a:prstGeom prst="rect">
+            <a:avLst/>
+          </a:prstGeom>
+        </p:spPr>
+      </p:pic>
     </p:spTree>
     <p:extLst>
       <p:ext uri="{BB962C8B-B14F-4D97-AF65-F5344CB8AC3E}">
@@ -4292,6 +5998,584 @@
   <p:clrMapOvr>
     <a:masterClrMapping/>
   </p:clrMapOvr>
+  <mc:AlternateContent xmlns:mc="http://schemas.openxmlformats.org/markup-compatibility/2006" xmlns:p159="http://schemas.microsoft.com/office/powerpoint/2015/09/main">
+    <mc:Choice Requires="p159">
+      <p:transition>
+        <p159:morph option="byObject"/>
+      </p:transition>
+    </mc:Choice>
+    <mc:Fallback xmlns="">
+      <p:transition>
+        <p:fade/>
+      </p:transition>
+    </mc:Fallback>
+  </mc:AlternateContent>
+</p:sld>
+</file>
+
+<file path=ppt/slides/slide4.xml><?xml version="1.0" encoding="utf-8"?>
+<p:sld xmlns:a="http://schemas.openxmlformats.org/drawingml/2006/main" xmlns:r="http://schemas.openxmlformats.org/officeDocument/2006/relationships" xmlns:p="http://schemas.openxmlformats.org/presentationml/2006/main">
+  <p:cSld>
+    <p:bg>
+      <p:bgPr>
+        <a:gradFill>
+          <a:gsLst>
+            <a:gs pos="100000">
+              <a:schemeClr val="tx2">
+                <a:lumMod val="75000"/>
+                <a:lumOff val="25000"/>
+              </a:schemeClr>
+            </a:gs>
+            <a:gs pos="0">
+              <a:schemeClr val="accent1">
+                <a:lumMod val="30000"/>
+                <a:lumOff val="70000"/>
+              </a:schemeClr>
+            </a:gs>
+          </a:gsLst>
+          <a:lin ang="5400000" scaled="1"/>
+        </a:gradFill>
+        <a:effectLst/>
+      </p:bgPr>
+    </p:bg>
+    <p:spTree>
+      <p:nvGrpSpPr>
+        <p:cNvPr id="1" name=""/>
+        <p:cNvGrpSpPr/>
+        <p:nvPr/>
+      </p:nvGrpSpPr>
+      <p:grpSpPr>
+        <a:xfrm>
+          <a:off x="0" y="0"/>
+          <a:ext cx="0" cy="0"/>
+          <a:chOff x="0" y="0"/>
+          <a:chExt cx="0" cy="0"/>
+        </a:xfrm>
+      </p:grpSpPr>
+      <p:pic>
+        <p:nvPicPr>
+          <p:cNvPr id="9" name="Kép 8">
+            <a:extLst>
+              <a:ext uri="{FF2B5EF4-FFF2-40B4-BE49-F238E27FC236}">
+                <a16:creationId xmlns:a16="http://schemas.microsoft.com/office/drawing/2014/main" id="{E273896A-A6C3-4C39-F9F2-767AB383B33A}"/>
+              </a:ext>
+            </a:extLst>
+          </p:cNvPr>
+          <p:cNvPicPr>
+            <a:picLocks noChangeAspect="1"/>
+          </p:cNvPicPr>
+          <p:nvPr/>
+        </p:nvPicPr>
+        <p:blipFill>
+          <a:blip r:embed="rId2"/>
+          <a:stretch>
+            <a:fillRect/>
+          </a:stretch>
+        </p:blipFill>
+        <p:spPr>
+          <a:xfrm>
+            <a:off x="323850" y="38100"/>
+            <a:ext cx="11544300" cy="6781800"/>
+          </a:xfrm>
+          <a:prstGeom prst="rect">
+            <a:avLst/>
+          </a:prstGeom>
+        </p:spPr>
+      </p:pic>
+    </p:spTree>
+    <p:extLst>
+      <p:ext uri="{BB962C8B-B14F-4D97-AF65-F5344CB8AC3E}">
+        <p14:creationId xmlns:p14="http://schemas.microsoft.com/office/powerpoint/2010/main" val="88561816"/>
+      </p:ext>
+    </p:extLst>
+  </p:cSld>
+  <p:clrMapOvr>
+    <a:masterClrMapping/>
+  </p:clrMapOvr>
+  <mc:AlternateContent xmlns:mc="http://schemas.openxmlformats.org/markup-compatibility/2006" xmlns:p159="http://schemas.microsoft.com/office/powerpoint/2015/09/main">
+    <mc:Choice Requires="p159">
+      <p:transition>
+        <p159:morph option="byObject"/>
+      </p:transition>
+    </mc:Choice>
+    <mc:Fallback xmlns="">
+      <p:transition>
+        <p:fade/>
+      </p:transition>
+    </mc:Fallback>
+  </mc:AlternateContent>
+</p:sld>
+</file>
+
+<file path=ppt/slides/slide5.xml><?xml version="1.0" encoding="utf-8"?>
+<p:sld xmlns:a="http://schemas.openxmlformats.org/drawingml/2006/main" xmlns:r="http://schemas.openxmlformats.org/officeDocument/2006/relationships" xmlns:p="http://schemas.openxmlformats.org/presentationml/2006/main">
+  <p:cSld>
+    <p:bg>
+      <p:bgPr>
+        <a:gradFill>
+          <a:gsLst>
+            <a:gs pos="100000">
+              <a:schemeClr val="tx2">
+                <a:lumMod val="75000"/>
+                <a:lumOff val="25000"/>
+              </a:schemeClr>
+            </a:gs>
+            <a:gs pos="0">
+              <a:schemeClr val="accent1">
+                <a:lumMod val="30000"/>
+                <a:lumOff val="70000"/>
+              </a:schemeClr>
+            </a:gs>
+          </a:gsLst>
+          <a:lin ang="5400000" scaled="1"/>
+        </a:gradFill>
+        <a:effectLst/>
+      </p:bgPr>
+    </p:bg>
+    <p:spTree>
+      <p:nvGrpSpPr>
+        <p:cNvPr id="1" name=""/>
+        <p:cNvGrpSpPr/>
+        <p:nvPr/>
+      </p:nvGrpSpPr>
+      <p:grpSpPr>
+        <a:xfrm>
+          <a:off x="0" y="0"/>
+          <a:ext cx="0" cy="0"/>
+          <a:chOff x="0" y="0"/>
+          <a:chExt cx="0" cy="0"/>
+        </a:xfrm>
+      </p:grpSpPr>
+      <p:pic>
+        <p:nvPicPr>
+          <p:cNvPr id="5" name="Kép 4">
+            <a:extLst>
+              <a:ext uri="{FF2B5EF4-FFF2-40B4-BE49-F238E27FC236}">
+                <a16:creationId xmlns:a16="http://schemas.microsoft.com/office/drawing/2014/main" id="{27D0AEA8-EA05-6A1D-2DD5-E4111C7ED5C7}"/>
+              </a:ext>
+            </a:extLst>
+          </p:cNvPr>
+          <p:cNvPicPr>
+            <a:picLocks noChangeAspect="1"/>
+          </p:cNvPicPr>
+          <p:nvPr/>
+        </p:nvPicPr>
+        <p:blipFill>
+          <a:blip r:embed="rId2"/>
+          <a:stretch>
+            <a:fillRect/>
+          </a:stretch>
+        </p:blipFill>
+        <p:spPr>
+          <a:xfrm>
+            <a:off x="1260084" y="0"/>
+            <a:ext cx="9671831" cy="6858000"/>
+          </a:xfrm>
+          <a:prstGeom prst="rect">
+            <a:avLst/>
+          </a:prstGeom>
+        </p:spPr>
+      </p:pic>
+    </p:spTree>
+    <p:extLst>
+      <p:ext uri="{BB962C8B-B14F-4D97-AF65-F5344CB8AC3E}">
+        <p14:creationId xmlns:p14="http://schemas.microsoft.com/office/powerpoint/2010/main" val="1862230597"/>
+      </p:ext>
+    </p:extLst>
+  </p:cSld>
+  <p:clrMapOvr>
+    <a:masterClrMapping/>
+  </p:clrMapOvr>
+  <mc:AlternateContent xmlns:mc="http://schemas.openxmlformats.org/markup-compatibility/2006" xmlns:p159="http://schemas.microsoft.com/office/powerpoint/2015/09/main">
+    <mc:Choice Requires="p159">
+      <p:transition>
+        <p159:morph option="byObject"/>
+      </p:transition>
+    </mc:Choice>
+    <mc:Fallback xmlns="">
+      <p:transition>
+        <p:fade/>
+      </p:transition>
+    </mc:Fallback>
+  </mc:AlternateContent>
+</p:sld>
+</file>
+
+<file path=ppt/slides/slide6.xml><?xml version="1.0" encoding="utf-8"?>
+<p:sld xmlns:a="http://schemas.openxmlformats.org/drawingml/2006/main" xmlns:r="http://schemas.openxmlformats.org/officeDocument/2006/relationships" xmlns:p="http://schemas.openxmlformats.org/presentationml/2006/main">
+  <p:cSld>
+    <p:bg>
+      <p:bgPr>
+        <a:gradFill>
+          <a:gsLst>
+            <a:gs pos="100000">
+              <a:schemeClr val="tx2">
+                <a:lumMod val="75000"/>
+                <a:lumOff val="25000"/>
+              </a:schemeClr>
+            </a:gs>
+            <a:gs pos="0">
+              <a:schemeClr val="accent1">
+                <a:lumMod val="30000"/>
+                <a:lumOff val="70000"/>
+              </a:schemeClr>
+            </a:gs>
+          </a:gsLst>
+          <a:lin ang="5400000" scaled="1"/>
+        </a:gradFill>
+        <a:effectLst/>
+      </p:bgPr>
+    </p:bg>
+    <p:spTree>
+      <p:nvGrpSpPr>
+        <p:cNvPr id="1" name=""/>
+        <p:cNvGrpSpPr/>
+        <p:nvPr/>
+      </p:nvGrpSpPr>
+      <p:grpSpPr>
+        <a:xfrm>
+          <a:off x="0" y="0"/>
+          <a:ext cx="0" cy="0"/>
+          <a:chOff x="0" y="0"/>
+          <a:chExt cx="0" cy="0"/>
+        </a:xfrm>
+      </p:grpSpPr>
+      <p:pic>
+        <p:nvPicPr>
+          <p:cNvPr id="6" name="Kép 5">
+            <a:extLst>
+              <a:ext uri="{FF2B5EF4-FFF2-40B4-BE49-F238E27FC236}">
+                <a16:creationId xmlns:a16="http://schemas.microsoft.com/office/drawing/2014/main" id="{8E499514-62CB-3EE7-750F-3839366151AD}"/>
+              </a:ext>
+            </a:extLst>
+          </p:cNvPr>
+          <p:cNvPicPr>
+            <a:picLocks noChangeAspect="1"/>
+          </p:cNvPicPr>
+          <p:nvPr/>
+        </p:nvPicPr>
+        <p:blipFill>
+          <a:blip r:embed="rId2"/>
+          <a:stretch>
+            <a:fillRect/>
+          </a:stretch>
+        </p:blipFill>
+        <p:spPr>
+          <a:xfrm>
+            <a:off x="1906678" y="0"/>
+            <a:ext cx="8378643" cy="6858000"/>
+          </a:xfrm>
+          <a:prstGeom prst="rect">
+            <a:avLst/>
+          </a:prstGeom>
+        </p:spPr>
+      </p:pic>
+    </p:spTree>
+    <p:extLst>
+      <p:ext uri="{BB962C8B-B14F-4D97-AF65-F5344CB8AC3E}">
+        <p14:creationId xmlns:p14="http://schemas.microsoft.com/office/powerpoint/2010/main" val="3273420075"/>
+      </p:ext>
+    </p:extLst>
+  </p:cSld>
+  <p:clrMapOvr>
+    <a:masterClrMapping/>
+  </p:clrMapOvr>
+  <mc:AlternateContent xmlns:mc="http://schemas.openxmlformats.org/markup-compatibility/2006" xmlns:p159="http://schemas.microsoft.com/office/powerpoint/2015/09/main">
+    <mc:Choice Requires="p159">
+      <p:transition>
+        <p159:morph option="byObject"/>
+      </p:transition>
+    </mc:Choice>
+    <mc:Fallback xmlns="">
+      <p:transition>
+        <p:fade/>
+      </p:transition>
+    </mc:Fallback>
+  </mc:AlternateContent>
+</p:sld>
+</file>
+
+<file path=ppt/slides/slide7.xml><?xml version="1.0" encoding="utf-8"?>
+<p:sld xmlns:a="http://schemas.openxmlformats.org/drawingml/2006/main" xmlns:r="http://schemas.openxmlformats.org/officeDocument/2006/relationships" xmlns:p="http://schemas.openxmlformats.org/presentationml/2006/main">
+  <p:cSld>
+    <p:bg>
+      <p:bgPr>
+        <a:gradFill>
+          <a:gsLst>
+            <a:gs pos="100000">
+              <a:schemeClr val="tx2">
+                <a:lumMod val="75000"/>
+                <a:lumOff val="25000"/>
+              </a:schemeClr>
+            </a:gs>
+            <a:gs pos="0">
+              <a:schemeClr val="accent1">
+                <a:lumMod val="30000"/>
+                <a:lumOff val="70000"/>
+              </a:schemeClr>
+            </a:gs>
+          </a:gsLst>
+          <a:lin ang="5400000" scaled="1"/>
+        </a:gradFill>
+        <a:effectLst/>
+      </p:bgPr>
+    </p:bg>
+    <p:spTree>
+      <p:nvGrpSpPr>
+        <p:cNvPr id="1" name=""/>
+        <p:cNvGrpSpPr/>
+        <p:nvPr/>
+      </p:nvGrpSpPr>
+      <p:grpSpPr>
+        <a:xfrm>
+          <a:off x="0" y="0"/>
+          <a:ext cx="0" cy="0"/>
+          <a:chOff x="0" y="0"/>
+          <a:chExt cx="0" cy="0"/>
+        </a:xfrm>
+      </p:grpSpPr>
+      <p:pic>
+        <p:nvPicPr>
+          <p:cNvPr id="3" name="Kép 2">
+            <a:extLst>
+              <a:ext uri="{FF2B5EF4-FFF2-40B4-BE49-F238E27FC236}">
+                <a16:creationId xmlns:a16="http://schemas.microsoft.com/office/drawing/2014/main" id="{A2733518-46A0-30E8-3169-0E4EBC699A0A}"/>
+              </a:ext>
+            </a:extLst>
+          </p:cNvPr>
+          <p:cNvPicPr>
+            <a:picLocks noChangeAspect="1"/>
+          </p:cNvPicPr>
+          <p:nvPr/>
+        </p:nvPicPr>
+        <p:blipFill>
+          <a:blip r:embed="rId2">
+            <a:alphaModFix/>
+          </a:blip>
+          <a:stretch>
+            <a:fillRect/>
+          </a:stretch>
+        </p:blipFill>
+        <p:spPr>
+          <a:xfrm>
+            <a:off x="0" y="898922"/>
+            <a:ext cx="12192000" cy="5060156"/>
+          </a:xfrm>
+          <a:prstGeom prst="rect">
+            <a:avLst/>
+          </a:prstGeom>
+        </p:spPr>
+      </p:pic>
+    </p:spTree>
+    <p:extLst>
+      <p:ext uri="{BB962C8B-B14F-4D97-AF65-F5344CB8AC3E}">
+        <p14:creationId xmlns:p14="http://schemas.microsoft.com/office/powerpoint/2010/main" val="3485392139"/>
+      </p:ext>
+    </p:extLst>
+  </p:cSld>
+  <p:clrMapOvr>
+    <a:masterClrMapping/>
+  </p:clrMapOvr>
+  <mc:AlternateContent xmlns:mc="http://schemas.openxmlformats.org/markup-compatibility/2006" xmlns:p159="http://schemas.microsoft.com/office/powerpoint/2015/09/main">
+    <mc:Choice Requires="p159">
+      <p:transition>
+        <p159:morph option="byObject"/>
+      </p:transition>
+    </mc:Choice>
+    <mc:Fallback xmlns="">
+      <p:transition>
+        <p:fade/>
+      </p:transition>
+    </mc:Fallback>
+  </mc:AlternateContent>
+</p:sld>
+</file>
+
+<file path=ppt/slides/slide8.xml><?xml version="1.0" encoding="utf-8"?>
+<p:sld xmlns:a="http://schemas.openxmlformats.org/drawingml/2006/main" xmlns:r="http://schemas.openxmlformats.org/officeDocument/2006/relationships" xmlns:p="http://schemas.openxmlformats.org/presentationml/2006/main">
+  <p:cSld>
+    <p:bg>
+      <p:bgPr>
+        <a:gradFill>
+          <a:gsLst>
+            <a:gs pos="100000">
+              <a:schemeClr val="tx2">
+                <a:lumMod val="75000"/>
+                <a:lumOff val="25000"/>
+              </a:schemeClr>
+            </a:gs>
+            <a:gs pos="0">
+              <a:schemeClr val="accent1">
+                <a:lumMod val="30000"/>
+                <a:lumOff val="70000"/>
+              </a:schemeClr>
+            </a:gs>
+          </a:gsLst>
+          <a:lin ang="5400000" scaled="1"/>
+        </a:gradFill>
+        <a:effectLst/>
+      </p:bgPr>
+    </p:bg>
+    <p:spTree>
+      <p:nvGrpSpPr>
+        <p:cNvPr id="1" name=""/>
+        <p:cNvGrpSpPr/>
+        <p:nvPr/>
+      </p:nvGrpSpPr>
+      <p:grpSpPr>
+        <a:xfrm>
+          <a:off x="0" y="0"/>
+          <a:ext cx="0" cy="0"/>
+          <a:chOff x="0" y="0"/>
+          <a:chExt cx="0" cy="0"/>
+        </a:xfrm>
+      </p:grpSpPr>
+      <p:pic>
+        <p:nvPicPr>
+          <p:cNvPr id="4" name="Kép 3">
+            <a:extLst>
+              <a:ext uri="{FF2B5EF4-FFF2-40B4-BE49-F238E27FC236}">
+                <a16:creationId xmlns:a16="http://schemas.microsoft.com/office/drawing/2014/main" id="{66C8512D-6BD9-02D6-F252-92A9DEA4B5F4}"/>
+              </a:ext>
+            </a:extLst>
+          </p:cNvPr>
+          <p:cNvPicPr>
+            <a:picLocks noChangeAspect="1"/>
+          </p:cNvPicPr>
+          <p:nvPr/>
+        </p:nvPicPr>
+        <p:blipFill>
+          <a:blip r:embed="rId2"/>
+          <a:stretch>
+            <a:fillRect/>
+          </a:stretch>
+        </p:blipFill>
+        <p:spPr>
+          <a:xfrm>
+            <a:off x="1190513" y="0"/>
+            <a:ext cx="9810974" cy="6858000"/>
+          </a:xfrm>
+          <a:prstGeom prst="rect">
+            <a:avLst/>
+          </a:prstGeom>
+        </p:spPr>
+      </p:pic>
+    </p:spTree>
+    <p:extLst>
+      <p:ext uri="{BB962C8B-B14F-4D97-AF65-F5344CB8AC3E}">
+        <p14:creationId xmlns:p14="http://schemas.microsoft.com/office/powerpoint/2010/main" val="3985842382"/>
+      </p:ext>
+    </p:extLst>
+  </p:cSld>
+  <p:clrMapOvr>
+    <a:masterClrMapping/>
+  </p:clrMapOvr>
+  <mc:AlternateContent xmlns:mc="http://schemas.openxmlformats.org/markup-compatibility/2006" xmlns:p159="http://schemas.microsoft.com/office/powerpoint/2015/09/main">
+    <mc:Choice Requires="p159">
+      <p:transition>
+        <p159:morph option="byObject"/>
+      </p:transition>
+    </mc:Choice>
+    <mc:Fallback xmlns="">
+      <p:transition>
+        <p:fade/>
+      </p:transition>
+    </mc:Fallback>
+  </mc:AlternateContent>
+</p:sld>
+</file>
+
+<file path=ppt/slides/slide9.xml><?xml version="1.0" encoding="utf-8"?>
+<p:sld xmlns:a="http://schemas.openxmlformats.org/drawingml/2006/main" xmlns:r="http://schemas.openxmlformats.org/officeDocument/2006/relationships" xmlns:p="http://schemas.openxmlformats.org/presentationml/2006/main">
+  <p:cSld>
+    <p:bg>
+      <p:bgPr>
+        <a:gradFill>
+          <a:gsLst>
+            <a:gs pos="100000">
+              <a:schemeClr val="tx2">
+                <a:lumMod val="75000"/>
+                <a:lumOff val="25000"/>
+              </a:schemeClr>
+            </a:gs>
+            <a:gs pos="0">
+              <a:schemeClr val="accent1">
+                <a:lumMod val="30000"/>
+                <a:lumOff val="70000"/>
+              </a:schemeClr>
+            </a:gs>
+          </a:gsLst>
+          <a:lin ang="5400000" scaled="1"/>
+        </a:gradFill>
+        <a:effectLst/>
+      </p:bgPr>
+    </p:bg>
+    <p:spTree>
+      <p:nvGrpSpPr>
+        <p:cNvPr id="1" name=""/>
+        <p:cNvGrpSpPr/>
+        <p:nvPr/>
+      </p:nvGrpSpPr>
+      <p:grpSpPr>
+        <a:xfrm>
+          <a:off x="0" y="0"/>
+          <a:ext cx="0" cy="0"/>
+          <a:chOff x="0" y="0"/>
+          <a:chExt cx="0" cy="0"/>
+        </a:xfrm>
+      </p:grpSpPr>
+      <p:pic>
+        <p:nvPicPr>
+          <p:cNvPr id="3" name="Kép 2">
+            <a:extLst>
+              <a:ext uri="{FF2B5EF4-FFF2-40B4-BE49-F238E27FC236}">
+                <a16:creationId xmlns:a16="http://schemas.microsoft.com/office/drawing/2014/main" id="{3C966561-42AC-2ED7-1451-2B0D8B972B25}"/>
+              </a:ext>
+            </a:extLst>
+          </p:cNvPr>
+          <p:cNvPicPr>
+            <a:picLocks noChangeAspect="1"/>
+          </p:cNvPicPr>
+          <p:nvPr/>
+        </p:nvPicPr>
+        <p:blipFill>
+          <a:blip r:embed="rId2"/>
+          <a:stretch>
+            <a:fillRect/>
+          </a:stretch>
+        </p:blipFill>
+        <p:spPr>
+          <a:xfrm>
+            <a:off x="1362906" y="0"/>
+            <a:ext cx="9466188" cy="6858000"/>
+          </a:xfrm>
+          <a:prstGeom prst="rect">
+            <a:avLst/>
+          </a:prstGeom>
+        </p:spPr>
+      </p:pic>
+    </p:spTree>
+    <p:extLst>
+      <p:ext uri="{BB962C8B-B14F-4D97-AF65-F5344CB8AC3E}">
+        <p14:creationId xmlns:p14="http://schemas.microsoft.com/office/powerpoint/2010/main" val="3718513165"/>
+      </p:ext>
+    </p:extLst>
+  </p:cSld>
+  <p:clrMapOvr>
+    <a:masterClrMapping/>
+  </p:clrMapOvr>
+  <mc:AlternateContent xmlns:mc="http://schemas.openxmlformats.org/markup-compatibility/2006" xmlns:p159="http://schemas.microsoft.com/office/powerpoint/2015/09/main">
+    <mc:Choice Requires="p159">
+      <p:transition>
+        <p159:morph option="byObject"/>
+      </p:transition>
+    </mc:Choice>
+    <mc:Fallback xmlns="">
+      <p:transition>
+        <p:fade/>
+      </p:transition>
+    </mc:Fallback>
+  </mc:AlternateContent>
 </p:sld>
 </file>
 

--- a/záróprojekt_11ESZ.pptx
+++ b/záróprojekt_11ESZ.pptx
@@ -143,12 +143,12 @@
   <pc:docChgLst>
     <pc:chgData name="Ádám Győri" userId="4d9fed6201f4995a" providerId="LiveId" clId="{BD3D67E3-0DD8-4642-B879-5A5326420380}"/>
     <pc:docChg chg="undo custSel addSld delSld modSld sldOrd addMainMaster delMainMaster modMainMaster">
-      <pc:chgData name="Ádám Győri" userId="4d9fed6201f4995a" providerId="LiveId" clId="{BD3D67E3-0DD8-4642-B879-5A5326420380}" dt="2024-06-05T10:33:32.194" v="499"/>
+      <pc:chgData name="Ádám Győri" userId="4d9fed6201f4995a" providerId="LiveId" clId="{BD3D67E3-0DD8-4642-B879-5A5326420380}" dt="2024-06-05T11:23:56.205" v="519" actId="22"/>
       <pc:docMkLst>
         <pc:docMk/>
       </pc:docMkLst>
       <pc:sldChg chg="addSp delSp modSp mod modTransition setBg modClrScheme setClrOvrMap delDesignElem chgLayout">
-        <pc:chgData name="Ádám Győri" userId="4d9fed6201f4995a" providerId="LiveId" clId="{BD3D67E3-0DD8-4642-B879-5A5326420380}" dt="2024-06-05T08:14:45.749" v="293"/>
+        <pc:chgData name="Ádám Győri" userId="4d9fed6201f4995a" providerId="LiveId" clId="{BD3D67E3-0DD8-4642-B879-5A5326420380}" dt="2024-06-05T11:20:11.618" v="515" actId="20577"/>
         <pc:sldMkLst>
           <pc:docMk/>
           <pc:sldMk cId="3319743928" sldId="256"/>
@@ -162,7 +162,7 @@
           </ac:spMkLst>
         </pc:spChg>
         <pc:spChg chg="mod">
-          <ac:chgData name="Ádám Győri" userId="4d9fed6201f4995a" providerId="LiveId" clId="{BD3D67E3-0DD8-4642-B879-5A5326420380}" dt="2024-06-05T07:15:33.406" v="88" actId="14100"/>
+          <ac:chgData name="Ádám Győri" userId="4d9fed6201f4995a" providerId="LiveId" clId="{BD3D67E3-0DD8-4642-B879-5A5326420380}" dt="2024-06-05T11:20:11.618" v="515" actId="20577"/>
           <ac:spMkLst>
             <pc:docMk/>
             <pc:sldMk cId="3319743928" sldId="256"/>
@@ -435,11 +435,19 @@
         </pc:picChg>
       </pc:sldChg>
       <pc:sldChg chg="addSp delSp add mod">
-        <pc:chgData name="Ádám Győri" userId="4d9fed6201f4995a" providerId="LiveId" clId="{BD3D67E3-0DD8-4642-B879-5A5326420380}" dt="2024-06-05T08:22:38.700" v="306" actId="22"/>
+        <pc:chgData name="Ádám Győri" userId="4d9fed6201f4995a" providerId="LiveId" clId="{BD3D67E3-0DD8-4642-B879-5A5326420380}" dt="2024-06-05T11:23:56.205" v="519" actId="22"/>
         <pc:sldMkLst>
           <pc:docMk/>
           <pc:sldMk cId="3985842382" sldId="262"/>
         </pc:sldMkLst>
+        <pc:picChg chg="add del">
+          <ac:chgData name="Ádám Győri" userId="4d9fed6201f4995a" providerId="LiveId" clId="{BD3D67E3-0DD8-4642-B879-5A5326420380}" dt="2024-06-05T11:23:54.483" v="518" actId="478"/>
+          <ac:picMkLst>
+            <pc:docMk/>
+            <pc:sldMk cId="3985842382" sldId="262"/>
+            <ac:picMk id="3" creationId="{39AF8B19-121D-1F78-519C-F706F656C029}"/>
+          </ac:picMkLst>
+        </pc:picChg>
         <pc:picChg chg="del">
           <ac:chgData name="Ádám Győri" userId="4d9fed6201f4995a" providerId="LiveId" clId="{BD3D67E3-0DD8-4642-B879-5A5326420380}" dt="2024-06-05T08:21:42.280" v="305" actId="478"/>
           <ac:picMkLst>
@@ -448,12 +456,20 @@
             <ac:picMk id="3" creationId="{A2733518-46A0-30E8-3169-0E4EBC699A0A}"/>
           </ac:picMkLst>
         </pc:picChg>
-        <pc:picChg chg="add">
-          <ac:chgData name="Ádám Győri" userId="4d9fed6201f4995a" providerId="LiveId" clId="{BD3D67E3-0DD8-4642-B879-5A5326420380}" dt="2024-06-05T08:22:38.700" v="306" actId="22"/>
+        <pc:picChg chg="add del">
+          <ac:chgData name="Ádám Győri" userId="4d9fed6201f4995a" providerId="LiveId" clId="{BD3D67E3-0DD8-4642-B879-5A5326420380}" dt="2024-06-05T11:23:29.480" v="516" actId="478"/>
           <ac:picMkLst>
             <pc:docMk/>
             <pc:sldMk cId="3985842382" sldId="262"/>
             <ac:picMk id="4" creationId="{66C8512D-6BD9-02D6-F252-92A9DEA4B5F4}"/>
+          </ac:picMkLst>
+        </pc:picChg>
+        <pc:picChg chg="add">
+          <ac:chgData name="Ádám Győri" userId="4d9fed6201f4995a" providerId="LiveId" clId="{BD3D67E3-0DD8-4642-B879-5A5326420380}" dt="2024-06-05T11:23:56.205" v="519" actId="22"/>
+          <ac:picMkLst>
+            <pc:docMk/>
+            <pc:sldMk cId="3985842382" sldId="262"/>
+            <ac:picMk id="6" creationId="{EC877021-428C-C84E-9867-A3A9E3902C45}"/>
           </ac:picMkLst>
         </pc:picChg>
       </pc:sldChg>
@@ -4639,13 +4655,18 @@
           </a:p>
           <a:p>
             <a:r>
-              <a:rPr lang="hu-HU" sz="2200" dirty="0">
+              <a:rPr lang="en-US" sz="2200" dirty="0" err="1">
                 <a:solidFill>
                   <a:srgbClr val="FFFFFF"/>
                 </a:solidFill>
               </a:rPr>
-              <a:t>Trinix025</a:t>
-            </a:r>
+              <a:t>PaPa</a:t>
+            </a:r>
+            <a:endParaRPr lang="en-US" sz="2200" dirty="0">
+              <a:solidFill>
+                <a:srgbClr val="FFFFFF"/>
+              </a:solidFill>
+            </a:endParaRPr>
           </a:p>
         </p:txBody>
       </p:sp>
@@ -5667,13 +5688,13 @@
   <p:clrMapOvr>
     <a:masterClrMapping/>
   </p:clrMapOvr>
-  <mc:AlternateContent xmlns:mc="http://schemas.openxmlformats.org/markup-compatibility/2006">
-    <mc:Choice xmlns:p159="http://schemas.microsoft.com/office/powerpoint/2015/09/main" Requires="p159">
+  <mc:AlternateContent xmlns:mc="http://schemas.openxmlformats.org/markup-compatibility/2006" xmlns:p159="http://schemas.microsoft.com/office/powerpoint/2015/09/main">
+    <mc:Choice Requires="p159">
       <p:transition>
         <p159:morph option="byObject"/>
       </p:transition>
     </mc:Choice>
-    <mc:Fallback>
+    <mc:Fallback xmlns="">
       <p:transition>
         <p:fade/>
       </p:transition>
@@ -5786,13 +5807,13 @@
   <p:clrMapOvr>
     <a:masterClrMapping/>
   </p:clrMapOvr>
-  <mc:AlternateContent xmlns:mc="http://schemas.openxmlformats.org/markup-compatibility/2006">
-    <mc:Choice xmlns:p159="http://schemas.microsoft.com/office/powerpoint/2015/09/main" Requires="p159">
+  <mc:AlternateContent xmlns:mc="http://schemas.openxmlformats.org/markup-compatibility/2006" xmlns:p159="http://schemas.microsoft.com/office/powerpoint/2015/09/main">
+    <mc:Choice Requires="p159">
       <p:transition>
         <p159:morph option="byObject"/>
       </p:transition>
     </mc:Choice>
-    <mc:Fallback>
+    <mc:Fallback xmlns="">
       <p:transition>
         <p:fade/>
       </p:transition>
@@ -6432,10 +6453,10 @@
       </p:grpSpPr>
       <p:pic>
         <p:nvPicPr>
-          <p:cNvPr id="4" name="Kép 3">
-            <a:extLst>
-              <a:ext uri="{FF2B5EF4-FFF2-40B4-BE49-F238E27FC236}">
-                <a16:creationId xmlns:a16="http://schemas.microsoft.com/office/drawing/2014/main" id="{66C8512D-6BD9-02D6-F252-92A9DEA4B5F4}"/>
+          <p:cNvPr id="6" name="Kép 5">
+            <a:extLst>
+              <a:ext uri="{FF2B5EF4-FFF2-40B4-BE49-F238E27FC236}">
+                <a16:creationId xmlns:a16="http://schemas.microsoft.com/office/drawing/2014/main" id="{EC877021-428C-C84E-9867-A3A9E3902C45}"/>
               </a:ext>
             </a:extLst>
           </p:cNvPr>
@@ -6452,8 +6473,8 @@
         </p:blipFill>
         <p:spPr>
           <a:xfrm>
-            <a:off x="1190513" y="0"/>
-            <a:ext cx="9810974" cy="6858000"/>
+            <a:off x="825222" y="0"/>
+            <a:ext cx="10541555" cy="6858000"/>
           </a:xfrm>
           <a:prstGeom prst="rect">
             <a:avLst/>
